--- a/Presentation_retention.pptx
+++ b/Presentation_retention.pptx
@@ -1,18 +1,19 @@
 
 <file path=ppt/presentation.xml><?xml version="1.0" encoding="utf-8"?>
-<p:presentation xmlns:a="http://schemas.openxmlformats.org/drawingml/2006/main" xmlns:r="http://schemas.openxmlformats.org/officeDocument/2006/relationships" xmlns:p="http://schemas.openxmlformats.org/presentationml/2006/main" xmlns:m="http://schemas.openxmlformats.org/officeDocument/2006/math" xmlns:a14="http://schemas.microsoft.com/office/drawing/2010/main">
+<p:presentation xmlns:a="http://schemas.openxmlformats.org/drawingml/2006/main" xmlns:r="http://schemas.openxmlformats.org/officeDocument/2006/relationships" xmlns:p="http://schemas.openxmlformats.org/presentationml/2006/main">
   <p:sldMasterIdLst>
-    <p:sldMasterId id="2147483648" r:id="rId5"/>
+    <p:sldMasterId id="2147483648" r:id="rId1"/>
   </p:sldMasterIdLst>
   <p:notesMasterIdLst>
-    <p:notesMasterId r:id="rId7"/>
+    <p:notesMasterId r:id="rId8"/>
   </p:notesMasterIdLst>
   <p:sldIdLst>
-    <p:sldId id="256" r:id="rId8"/>
-    <p:sldId id="257" r:id="rId9"/>
-    <p:sldId id="258" r:id="rId10"/>
-    <p:sldId id="259" r:id="rId11"/>
-    <p:sldId id="260" r:id="rId12"/>
+    <p:sldId id="256" r:id="rId2"/>
+    <p:sldId id="257" r:id="rId3"/>
+    <p:sldId id="258" r:id="rId4"/>
+    <p:sldId id="259" r:id="rId5"/>
+    <p:sldId id="260" r:id="rId6"/>
+    <p:sldId id="262" r:id="rId7"/>
   </p:sldIdLst>
   <p:sldSz cx="12192000" cy="6858000"/>
   <p:notesSz cx="6858000" cy="9144000"/>
@@ -32,7 +33,7 @@
       <a:buFontTx/>
       <a:buNone/>
       <a:tabLst/>
-      <a:defRPr b="0" baseline="0" cap="none" i="0" spc="0" strike="noStrike" sz="1800" u="none" kumimoji="0" normalizeH="0">
+      <a:defRPr kumimoji="0" sz="1800" b="0" i="0" u="none" strike="noStrike" cap="none" spc="0" normalizeH="0" baseline="0">
         <a:ln>
           <a:noFill/>
         </a:ln>
@@ -58,7 +59,7 @@
       <a:buFontTx/>
       <a:buNone/>
       <a:tabLst/>
-      <a:defRPr b="0" baseline="0" cap="none" i="0" spc="0" strike="noStrike" sz="1400" u="none" kumimoji="0" normalizeH="0">
+      <a:defRPr kumimoji="0" sz="1400" b="0" i="0" u="none" strike="noStrike" cap="none" spc="0" normalizeH="0" baseline="0">
         <a:ln>
           <a:noFill/>
         </a:ln>
@@ -88,7 +89,7 @@
       <a:buFontTx/>
       <a:buNone/>
       <a:tabLst/>
-      <a:defRPr b="0" baseline="0" cap="none" i="0" spc="0" strike="noStrike" sz="1400" u="none" kumimoji="0" normalizeH="0">
+      <a:defRPr kumimoji="0" sz="1400" b="0" i="0" u="none" strike="noStrike" cap="none" spc="0" normalizeH="0" baseline="0">
         <a:ln>
           <a:noFill/>
         </a:ln>
@@ -118,7 +119,7 @@
       <a:buFontTx/>
       <a:buNone/>
       <a:tabLst/>
-      <a:defRPr b="0" baseline="0" cap="none" i="0" spc="0" strike="noStrike" sz="1400" u="none" kumimoji="0" normalizeH="0">
+      <a:defRPr kumimoji="0" sz="1400" b="0" i="0" u="none" strike="noStrike" cap="none" spc="0" normalizeH="0" baseline="0">
         <a:ln>
           <a:noFill/>
         </a:ln>
@@ -148,7 +149,7 @@
       <a:buFontTx/>
       <a:buNone/>
       <a:tabLst/>
-      <a:defRPr b="0" baseline="0" cap="none" i="0" spc="0" strike="noStrike" sz="1400" u="none" kumimoji="0" normalizeH="0">
+      <a:defRPr kumimoji="0" sz="1400" b="0" i="0" u="none" strike="noStrike" cap="none" spc="0" normalizeH="0" baseline="0">
         <a:ln>
           <a:noFill/>
         </a:ln>
@@ -178,7 +179,7 @@
       <a:buFontTx/>
       <a:buNone/>
       <a:tabLst/>
-      <a:defRPr b="0" baseline="0" cap="none" i="0" spc="0" strike="noStrike" sz="1400" u="none" kumimoji="0" normalizeH="0">
+      <a:defRPr kumimoji="0" sz="1400" b="0" i="0" u="none" strike="noStrike" cap="none" spc="0" normalizeH="0" baseline="0">
         <a:ln>
           <a:noFill/>
         </a:ln>
@@ -208,7 +209,7 @@
       <a:buFontTx/>
       <a:buNone/>
       <a:tabLst/>
-      <a:defRPr b="0" baseline="0" cap="none" i="0" spc="0" strike="noStrike" sz="1400" u="none" kumimoji="0" normalizeH="0">
+      <a:defRPr kumimoji="0" sz="1400" b="0" i="0" u="none" strike="noStrike" cap="none" spc="0" normalizeH="0" baseline="0">
         <a:ln>
           <a:noFill/>
         </a:ln>
@@ -238,7 +239,7 @@
       <a:buFontTx/>
       <a:buNone/>
       <a:tabLst/>
-      <a:defRPr b="0" baseline="0" cap="none" i="0" spc="0" strike="noStrike" sz="1400" u="none" kumimoji="0" normalizeH="0">
+      <a:defRPr kumimoji="0" sz="1400" b="0" i="0" u="none" strike="noStrike" cap="none" spc="0" normalizeH="0" baseline="0">
         <a:ln>
           <a:noFill/>
         </a:ln>
@@ -268,7 +269,7 @@
       <a:buFontTx/>
       <a:buNone/>
       <a:tabLst/>
-      <a:defRPr b="0" baseline="0" cap="none" i="0" spc="0" strike="noStrike" sz="1400" u="none" kumimoji="0" normalizeH="0">
+      <a:defRPr kumimoji="0" sz="1400" b="0" i="0" u="none" strike="noStrike" cap="none" spc="0" normalizeH="0" baseline="0">
         <a:ln>
           <a:noFill/>
         </a:ln>
@@ -298,7 +299,7 @@
       <a:buFontTx/>
       <a:buNone/>
       <a:tabLst/>
-      <a:defRPr b="0" baseline="0" cap="none" i="0" spc="0" strike="noStrike" sz="1400" u="none" kumimoji="0" normalizeH="0">
+      <a:defRPr kumimoji="0" sz="1400" b="0" i="0" u="none" strike="noStrike" cap="none" spc="0" normalizeH="0" baseline="0">
         <a:ln>
           <a:noFill/>
         </a:ln>
@@ -317,13 +318,14 @@
 </p:presentation>
 </file>
 
-<file path=ppt/commentAuthors.xml><?xml version="1.0" encoding="utf-8"?>
-<p:cmAuthorLst xmlns:a="http://schemas.openxmlformats.org/drawingml/2006/main" xmlns:r="http://schemas.openxmlformats.org/officeDocument/2006/relationships" xmlns:p="http://schemas.openxmlformats.org/presentationml/2006/main" xmlns:m="http://schemas.openxmlformats.org/officeDocument/2006/math" xmlns:a14="http://schemas.microsoft.com/office/drawing/2010/main"/>
-</file>
-
 <file path=ppt/notesMasters/notesMaster1.xml><?xml version="1.0" encoding="utf-8"?>
-<p:notesMaster xmlns:a="http://schemas.openxmlformats.org/drawingml/2006/main" xmlns:r="http://schemas.openxmlformats.org/officeDocument/2006/relationships" xmlns:p="http://schemas.openxmlformats.org/presentationml/2006/main" xmlns:m="http://schemas.openxmlformats.org/officeDocument/2006/math" xmlns:a14="http://schemas.microsoft.com/office/drawing/2010/main">
+<p:notesMaster xmlns:a="http://schemas.openxmlformats.org/drawingml/2006/main" xmlns:r="http://schemas.openxmlformats.org/officeDocument/2006/relationships" xmlns:p="http://schemas.openxmlformats.org/presentationml/2006/main">
   <p:cSld>
+    <p:bg>
+      <p:bgRef idx="1001">
+        <a:schemeClr val="bg1"/>
+      </p:bgRef>
+    </p:bg>
     <p:spTree>
       <p:nvGrpSpPr>
         <p:cNvPr id="1" name=""/>
@@ -341,7 +343,9 @@
       <p:sp>
         <p:nvSpPr>
           <p:cNvPr id="91" name="Shape 91"/>
-          <p:cNvSpPr/>
+          <p:cNvSpPr>
+            <a:spLocks noGrp="1" noRot="1" noChangeAspect="1"/>
+          </p:cNvSpPr>
           <p:nvPr>
             <p:ph type="sldImg"/>
           </p:nvPr>
@@ -359,14 +363,16 @@
           <a:bodyPr/>
           <a:lstStyle/>
           <a:p>
-            <a:pPr/>
+            <a:endParaRPr/>
           </a:p>
         </p:txBody>
       </p:sp>
       <p:sp>
         <p:nvSpPr>
           <p:cNvPr id="92" name="Shape 92"/>
-          <p:cNvSpPr/>
+          <p:cNvSpPr>
+            <a:spLocks noGrp="1"/>
+          </p:cNvSpPr>
           <p:nvPr>
             <p:ph type="body" sz="quarter" idx="1"/>
           </p:nvPr>
@@ -384,7 +390,7 @@
           <a:bodyPr/>
           <a:lstStyle/>
           <a:p>
-            <a:pPr/>
+            <a:endParaRPr/>
           </a:p>
         </p:txBody>
       </p:sp>
@@ -469,7 +475,7 @@
 </file>
 
 <file path=ppt/slideLayouts/slideLayout1.xml><?xml version="1.0" encoding="utf-8"?>
-<p:sldLayout xmlns:a="http://schemas.openxmlformats.org/drawingml/2006/main" xmlns:r="http://schemas.openxmlformats.org/officeDocument/2006/relationships" xmlns:p="http://schemas.openxmlformats.org/presentationml/2006/main" xmlns:m="http://schemas.openxmlformats.org/officeDocument/2006/math" xmlns:a14="http://schemas.microsoft.com/office/drawing/2010/main" type="title" showMasterSp="1" showMasterPhAnim="1">
+<p:sldLayout xmlns:a="http://schemas.openxmlformats.org/drawingml/2006/main" xmlns:r="http://schemas.openxmlformats.org/officeDocument/2006/relationships" xmlns:p="http://schemas.openxmlformats.org/presentationml/2006/main" type="title">
   <p:cSld name="Title Slide">
     <p:spTree>
       <p:nvGrpSpPr>
@@ -488,7 +494,9 @@
       <p:sp>
         <p:nvSpPr>
           <p:cNvPr id="11" name="Title Text"/>
-          <p:cNvSpPr txBox="1"/>
+          <p:cNvSpPr txBox="1">
+            <a:spLocks noGrp="1"/>
+          </p:cNvSpPr>
           <p:nvPr>
             <p:ph type="title"/>
           </p:nvPr>
@@ -510,7 +518,6 @@
             </a:lvl1pPr>
           </a:lstStyle>
           <a:p>
-            <a:pPr/>
             <a:r>
               <a:t>Title Text</a:t>
             </a:r>
@@ -520,7 +527,9 @@
       <p:sp>
         <p:nvSpPr>
           <p:cNvPr id="12" name="Body Level One…"/>
-          <p:cNvSpPr txBox="1"/>
+          <p:cNvSpPr txBox="1">
+            <a:spLocks noGrp="1"/>
+          </p:cNvSpPr>
           <p:nvPr>
             <p:ph type="body" sz="quarter" idx="1"/>
           </p:nvPr>
@@ -569,7 +578,6 @@
             </a:lvl5pPr>
           </a:lstStyle>
           <a:p>
-            <a:pPr/>
             <a:r>
               <a:t>Body Level One</a:t>
             </a:r>
@@ -603,7 +611,9 @@
       <p:sp>
         <p:nvSpPr>
           <p:cNvPr id="13" name="Slide Number"/>
-          <p:cNvSpPr txBox="1"/>
+          <p:cNvSpPr txBox="1">
+            <a:spLocks noGrp="1"/>
+          </p:cNvSpPr>
           <p:nvPr>
             <p:ph type="sldNum" sz="quarter" idx="2"/>
           </p:nvPr>
@@ -617,8 +627,10 @@
           <a:bodyPr/>
           <a:lstStyle/>
           <a:p>
-            <a:pPr/>
-            <a:fld id="{86CB4B4D-7CA3-9044-876B-883B54F8677D}" type="slidenum"/>
+            <a:fld id="{86CB4B4D-7CA3-9044-876B-883B54F8677D}" type="slidenum">
+              <a:t>‹#›</a:t>
+            </a:fld>
+            <a:endParaRPr/>
           </a:p>
         </p:txBody>
       </p:sp>
@@ -627,12 +639,12 @@
   <p:clrMapOvr>
     <a:masterClrMapping/>
   </p:clrMapOvr>
-  <p:transition xmlns:p14="http://schemas.microsoft.com/office/powerpoint/2010/main" spd="med" advClick="1"/>
+  <p:transition spd="med"/>
 </p:sldLayout>
 </file>
 
 <file path=ppt/slideLayouts/slideLayout2.xml><?xml version="1.0" encoding="utf-8"?>
-<p:sldLayout xmlns:a="http://schemas.openxmlformats.org/drawingml/2006/main" xmlns:r="http://schemas.openxmlformats.org/officeDocument/2006/relationships" xmlns:p="http://schemas.openxmlformats.org/presentationml/2006/main" xmlns:m="http://schemas.openxmlformats.org/officeDocument/2006/math" xmlns:a14="http://schemas.microsoft.com/office/drawing/2010/main" type="tx" showMasterSp="1" showMasterPhAnim="1">
+<p:sldLayout xmlns:a="http://schemas.openxmlformats.org/drawingml/2006/main" xmlns:r="http://schemas.openxmlformats.org/officeDocument/2006/relationships" xmlns:p="http://schemas.openxmlformats.org/presentationml/2006/main" type="tx">
   <p:cSld name="Title and Content">
     <p:spTree>
       <p:nvGrpSpPr>
@@ -651,7 +663,9 @@
       <p:sp>
         <p:nvSpPr>
           <p:cNvPr id="20" name="Title Text"/>
-          <p:cNvSpPr txBox="1"/>
+          <p:cNvSpPr txBox="1">
+            <a:spLocks noGrp="1"/>
+          </p:cNvSpPr>
           <p:nvPr>
             <p:ph type="title"/>
           </p:nvPr>
@@ -665,7 +679,6 @@
           <a:bodyPr/>
           <a:lstStyle/>
           <a:p>
-            <a:pPr/>
             <a:r>
               <a:t>Title Text</a:t>
             </a:r>
@@ -675,7 +688,9 @@
       <p:sp>
         <p:nvSpPr>
           <p:cNvPr id="21" name="Body Level One…"/>
-          <p:cNvSpPr txBox="1"/>
+          <p:cNvSpPr txBox="1">
+            <a:spLocks noGrp="1"/>
+          </p:cNvSpPr>
           <p:nvPr>
             <p:ph type="body" idx="1"/>
           </p:nvPr>
@@ -689,7 +704,6 @@
           <a:bodyPr/>
           <a:lstStyle/>
           <a:p>
-            <a:pPr/>
             <a:r>
               <a:t>Body Level One</a:t>
             </a:r>
@@ -723,7 +737,9 @@
       <p:sp>
         <p:nvSpPr>
           <p:cNvPr id="22" name="Slide Number"/>
-          <p:cNvSpPr txBox="1"/>
+          <p:cNvSpPr txBox="1">
+            <a:spLocks noGrp="1"/>
+          </p:cNvSpPr>
           <p:nvPr>
             <p:ph type="sldNum" sz="quarter" idx="2"/>
           </p:nvPr>
@@ -737,8 +753,10 @@
           <a:bodyPr/>
           <a:lstStyle/>
           <a:p>
-            <a:pPr/>
-            <a:fld id="{86CB4B4D-7CA3-9044-876B-883B54F8677D}" type="slidenum"/>
+            <a:fld id="{86CB4B4D-7CA3-9044-876B-883B54F8677D}" type="slidenum">
+              <a:t>‹#›</a:t>
+            </a:fld>
+            <a:endParaRPr/>
           </a:p>
         </p:txBody>
       </p:sp>
@@ -747,12 +765,12 @@
   <p:clrMapOvr>
     <a:masterClrMapping/>
   </p:clrMapOvr>
-  <p:transition xmlns:p14="http://schemas.microsoft.com/office/powerpoint/2010/main" spd="med" advClick="1"/>
+  <p:transition spd="med"/>
 </p:sldLayout>
 </file>
 
 <file path=ppt/slideLayouts/slideLayout3.xml><?xml version="1.0" encoding="utf-8"?>
-<p:sldLayout xmlns:a="http://schemas.openxmlformats.org/drawingml/2006/main" xmlns:r="http://schemas.openxmlformats.org/officeDocument/2006/relationships" xmlns:p="http://schemas.openxmlformats.org/presentationml/2006/main" xmlns:m="http://schemas.openxmlformats.org/officeDocument/2006/math" xmlns:a14="http://schemas.microsoft.com/office/drawing/2010/main" type="tx" showMasterSp="1" showMasterPhAnim="1">
+<p:sldLayout xmlns:a="http://schemas.openxmlformats.org/drawingml/2006/main" xmlns:r="http://schemas.openxmlformats.org/officeDocument/2006/relationships" xmlns:p="http://schemas.openxmlformats.org/presentationml/2006/main" type="tx">
   <p:cSld name="Section Header">
     <p:spTree>
       <p:nvGrpSpPr>
@@ -771,7 +789,9 @@
       <p:sp>
         <p:nvSpPr>
           <p:cNvPr id="29" name="Title Text"/>
-          <p:cNvSpPr txBox="1"/>
+          <p:cNvSpPr txBox="1">
+            <a:spLocks noGrp="1"/>
+          </p:cNvSpPr>
           <p:nvPr>
             <p:ph type="title"/>
           </p:nvPr>
@@ -793,7 +813,6 @@
             </a:lvl1pPr>
           </a:lstStyle>
           <a:p>
-            <a:pPr/>
             <a:r>
               <a:t>Title Text</a:t>
             </a:r>
@@ -803,7 +822,9 @@
       <p:sp>
         <p:nvSpPr>
           <p:cNvPr id="30" name="Body Level One…"/>
-          <p:cNvSpPr txBox="1"/>
+          <p:cNvSpPr txBox="1">
+            <a:spLocks noGrp="1"/>
+          </p:cNvSpPr>
           <p:nvPr>
             <p:ph type="body" sz="quarter" idx="1"/>
           </p:nvPr>
@@ -872,7 +893,6 @@
             </a:lvl5pPr>
           </a:lstStyle>
           <a:p>
-            <a:pPr/>
             <a:r>
               <a:t>Body Level One</a:t>
             </a:r>
@@ -906,7 +926,9 @@
       <p:sp>
         <p:nvSpPr>
           <p:cNvPr id="31" name="Slide Number"/>
-          <p:cNvSpPr txBox="1"/>
+          <p:cNvSpPr txBox="1">
+            <a:spLocks noGrp="1"/>
+          </p:cNvSpPr>
           <p:nvPr>
             <p:ph type="sldNum" sz="quarter" idx="2"/>
           </p:nvPr>
@@ -920,8 +942,10 @@
           <a:bodyPr/>
           <a:lstStyle/>
           <a:p>
-            <a:pPr/>
-            <a:fld id="{86CB4B4D-7CA3-9044-876B-883B54F8677D}" type="slidenum"/>
+            <a:fld id="{86CB4B4D-7CA3-9044-876B-883B54F8677D}" type="slidenum">
+              <a:t>‹#›</a:t>
+            </a:fld>
+            <a:endParaRPr/>
           </a:p>
         </p:txBody>
       </p:sp>
@@ -930,12 +954,12 @@
   <p:clrMapOvr>
     <a:masterClrMapping/>
   </p:clrMapOvr>
-  <p:transition xmlns:p14="http://schemas.microsoft.com/office/powerpoint/2010/main" spd="med" advClick="1"/>
+  <p:transition spd="med"/>
 </p:sldLayout>
 </file>
 
 <file path=ppt/slideLayouts/slideLayout4.xml><?xml version="1.0" encoding="utf-8"?>
-<p:sldLayout xmlns:a="http://schemas.openxmlformats.org/drawingml/2006/main" xmlns:r="http://schemas.openxmlformats.org/officeDocument/2006/relationships" xmlns:p="http://schemas.openxmlformats.org/presentationml/2006/main" xmlns:m="http://schemas.openxmlformats.org/officeDocument/2006/math" xmlns:a14="http://schemas.microsoft.com/office/drawing/2010/main" type="tx" showMasterSp="1" showMasterPhAnim="1">
+<p:sldLayout xmlns:a="http://schemas.openxmlformats.org/drawingml/2006/main" xmlns:r="http://schemas.openxmlformats.org/officeDocument/2006/relationships" xmlns:p="http://schemas.openxmlformats.org/presentationml/2006/main" type="tx">
   <p:cSld name="Two Content">
     <p:spTree>
       <p:nvGrpSpPr>
@@ -954,7 +978,9 @@
       <p:sp>
         <p:nvSpPr>
           <p:cNvPr id="38" name="Title Text"/>
-          <p:cNvSpPr txBox="1"/>
+          <p:cNvSpPr txBox="1">
+            <a:spLocks noGrp="1"/>
+          </p:cNvSpPr>
           <p:nvPr>
             <p:ph type="title"/>
           </p:nvPr>
@@ -968,7 +994,6 @@
           <a:bodyPr/>
           <a:lstStyle/>
           <a:p>
-            <a:pPr/>
             <a:r>
               <a:t>Title Text</a:t>
             </a:r>
@@ -978,7 +1003,9 @@
       <p:sp>
         <p:nvSpPr>
           <p:cNvPr id="39" name="Body Level One…"/>
-          <p:cNvSpPr txBox="1"/>
+          <p:cNvSpPr txBox="1">
+            <a:spLocks noGrp="1"/>
+          </p:cNvSpPr>
           <p:nvPr>
             <p:ph type="body" sz="half" idx="1"/>
           </p:nvPr>
@@ -996,7 +1023,6 @@
           <a:bodyPr/>
           <a:lstStyle/>
           <a:p>
-            <a:pPr/>
             <a:r>
               <a:t>Body Level One</a:t>
             </a:r>
@@ -1030,7 +1056,9 @@
       <p:sp>
         <p:nvSpPr>
           <p:cNvPr id="40" name="Slide Number"/>
-          <p:cNvSpPr txBox="1"/>
+          <p:cNvSpPr txBox="1">
+            <a:spLocks noGrp="1"/>
+          </p:cNvSpPr>
           <p:nvPr>
             <p:ph type="sldNum" sz="quarter" idx="2"/>
           </p:nvPr>
@@ -1044,8 +1072,10 @@
           <a:bodyPr/>
           <a:lstStyle/>
           <a:p>
-            <a:pPr/>
-            <a:fld id="{86CB4B4D-7CA3-9044-876B-883B54F8677D}" type="slidenum"/>
+            <a:fld id="{86CB4B4D-7CA3-9044-876B-883B54F8677D}" type="slidenum">
+              <a:t>‹#›</a:t>
+            </a:fld>
+            <a:endParaRPr/>
           </a:p>
         </p:txBody>
       </p:sp>
@@ -1054,12 +1084,12 @@
   <p:clrMapOvr>
     <a:masterClrMapping/>
   </p:clrMapOvr>
-  <p:transition xmlns:p14="http://schemas.microsoft.com/office/powerpoint/2010/main" spd="med" advClick="1"/>
+  <p:transition spd="med"/>
 </p:sldLayout>
 </file>
 
 <file path=ppt/slideLayouts/slideLayout5.xml><?xml version="1.0" encoding="utf-8"?>
-<p:sldLayout xmlns:a="http://schemas.openxmlformats.org/drawingml/2006/main" xmlns:r="http://schemas.openxmlformats.org/officeDocument/2006/relationships" xmlns:p="http://schemas.openxmlformats.org/presentationml/2006/main" xmlns:m="http://schemas.openxmlformats.org/officeDocument/2006/math" xmlns:a14="http://schemas.microsoft.com/office/drawing/2010/main" type="tx" showMasterSp="1" showMasterPhAnim="1">
+<p:sldLayout xmlns:a="http://schemas.openxmlformats.org/drawingml/2006/main" xmlns:r="http://schemas.openxmlformats.org/officeDocument/2006/relationships" xmlns:p="http://schemas.openxmlformats.org/presentationml/2006/main" type="tx">
   <p:cSld name="Comparison">
     <p:spTree>
       <p:nvGrpSpPr>
@@ -1078,7 +1108,9 @@
       <p:sp>
         <p:nvSpPr>
           <p:cNvPr id="47" name="Title Text"/>
-          <p:cNvSpPr txBox="1"/>
+          <p:cNvSpPr txBox="1">
+            <a:spLocks noGrp="1"/>
+          </p:cNvSpPr>
           <p:nvPr>
             <p:ph type="title"/>
           </p:nvPr>
@@ -1096,7 +1128,6 @@
           <a:bodyPr/>
           <a:lstStyle/>
           <a:p>
-            <a:pPr/>
             <a:r>
               <a:t>Title Text</a:t>
             </a:r>
@@ -1106,7 +1137,9 @@
       <p:sp>
         <p:nvSpPr>
           <p:cNvPr id="48" name="Body Level One…"/>
-          <p:cNvSpPr txBox="1"/>
+          <p:cNvSpPr txBox="1">
+            <a:spLocks noGrp="1"/>
+          </p:cNvSpPr>
           <p:nvPr>
             <p:ph type="body" sz="quarter" idx="1"/>
           </p:nvPr>
@@ -1127,35 +1160,34 @@
               <a:buSzTx/>
               <a:buFontTx/>
               <a:buNone/>
-              <a:defRPr b="1" sz="2400"/>
+              <a:defRPr sz="2400" b="1"/>
             </a:lvl1pPr>
             <a:lvl2pPr marL="0" indent="457200">
               <a:buSzTx/>
               <a:buFontTx/>
               <a:buNone/>
-              <a:defRPr b="1" sz="2400"/>
+              <a:defRPr sz="2400" b="1"/>
             </a:lvl2pPr>
             <a:lvl3pPr marL="0" indent="914400">
               <a:buSzTx/>
               <a:buFontTx/>
               <a:buNone/>
-              <a:defRPr b="1" sz="2400"/>
+              <a:defRPr sz="2400" b="1"/>
             </a:lvl3pPr>
             <a:lvl4pPr marL="0" indent="1371600">
               <a:buSzTx/>
               <a:buFontTx/>
               <a:buNone/>
-              <a:defRPr b="1" sz="2400"/>
+              <a:defRPr sz="2400" b="1"/>
             </a:lvl4pPr>
             <a:lvl5pPr marL="0" indent="1828800">
               <a:buSzTx/>
               <a:buFontTx/>
               <a:buNone/>
-              <a:defRPr b="1" sz="2400"/>
+              <a:defRPr sz="2400" b="1"/>
             </a:lvl5pPr>
           </a:lstStyle>
           <a:p>
-            <a:pPr/>
             <a:r>
               <a:t>Body Level One</a:t>
             </a:r>
@@ -1189,7 +1221,9 @@
       <p:sp>
         <p:nvSpPr>
           <p:cNvPr id="49" name="Text Placeholder 4"/>
-          <p:cNvSpPr/>
+          <p:cNvSpPr>
+            <a:spLocks noGrp="1"/>
+          </p:cNvSpPr>
           <p:nvPr>
             <p:ph type="body" sz="quarter" idx="13"/>
           </p:nvPr>
@@ -1211,15 +1245,18 @@
               <a:buSzTx/>
               <a:buFontTx/>
               <a:buNone/>
-              <a:defRPr b="1" sz="2400"/>
+              <a:defRPr sz="2400" b="1"/>
             </a:pPr>
+            <a:endParaRPr/>
           </a:p>
         </p:txBody>
       </p:sp>
       <p:sp>
         <p:nvSpPr>
           <p:cNvPr id="50" name="Slide Number"/>
-          <p:cNvSpPr txBox="1"/>
+          <p:cNvSpPr txBox="1">
+            <a:spLocks noGrp="1"/>
+          </p:cNvSpPr>
           <p:nvPr>
             <p:ph type="sldNum" sz="quarter" idx="2"/>
           </p:nvPr>
@@ -1233,8 +1270,10 @@
           <a:bodyPr/>
           <a:lstStyle/>
           <a:p>
-            <a:pPr/>
-            <a:fld id="{86CB4B4D-7CA3-9044-876B-883B54F8677D}" type="slidenum"/>
+            <a:fld id="{86CB4B4D-7CA3-9044-876B-883B54F8677D}" type="slidenum">
+              <a:t>‹#›</a:t>
+            </a:fld>
+            <a:endParaRPr/>
           </a:p>
         </p:txBody>
       </p:sp>
@@ -1243,12 +1282,12 @@
   <p:clrMapOvr>
     <a:masterClrMapping/>
   </p:clrMapOvr>
-  <p:transition xmlns:p14="http://schemas.microsoft.com/office/powerpoint/2010/main" spd="med" advClick="1"/>
+  <p:transition spd="med"/>
 </p:sldLayout>
 </file>
 
 <file path=ppt/slideLayouts/slideLayout6.xml><?xml version="1.0" encoding="utf-8"?>
-<p:sldLayout xmlns:a="http://schemas.openxmlformats.org/drawingml/2006/main" xmlns:r="http://schemas.openxmlformats.org/officeDocument/2006/relationships" xmlns:p="http://schemas.openxmlformats.org/presentationml/2006/main" xmlns:m="http://schemas.openxmlformats.org/officeDocument/2006/math" xmlns:a14="http://schemas.microsoft.com/office/drawing/2010/main" type="tx" showMasterSp="1" showMasterPhAnim="1">
+<p:sldLayout xmlns:a="http://schemas.openxmlformats.org/drawingml/2006/main" xmlns:r="http://schemas.openxmlformats.org/officeDocument/2006/relationships" xmlns:p="http://schemas.openxmlformats.org/presentationml/2006/main" type="tx">
   <p:cSld name="Title Only">
     <p:spTree>
       <p:nvGrpSpPr>
@@ -1267,7 +1306,9 @@
       <p:sp>
         <p:nvSpPr>
           <p:cNvPr id="57" name="Title Text"/>
-          <p:cNvSpPr txBox="1"/>
+          <p:cNvSpPr txBox="1">
+            <a:spLocks noGrp="1"/>
+          </p:cNvSpPr>
           <p:nvPr>
             <p:ph type="title"/>
           </p:nvPr>
@@ -1281,7 +1322,6 @@
           <a:bodyPr/>
           <a:lstStyle/>
           <a:p>
-            <a:pPr/>
             <a:r>
               <a:t>Title Text</a:t>
             </a:r>
@@ -1291,7 +1331,9 @@
       <p:sp>
         <p:nvSpPr>
           <p:cNvPr id="58" name="Slide Number"/>
-          <p:cNvSpPr txBox="1"/>
+          <p:cNvSpPr txBox="1">
+            <a:spLocks noGrp="1"/>
+          </p:cNvSpPr>
           <p:nvPr>
             <p:ph type="sldNum" sz="quarter" idx="2"/>
           </p:nvPr>
@@ -1305,8 +1347,10 @@
           <a:bodyPr/>
           <a:lstStyle/>
           <a:p>
-            <a:pPr/>
-            <a:fld id="{86CB4B4D-7CA3-9044-876B-883B54F8677D}" type="slidenum"/>
+            <a:fld id="{86CB4B4D-7CA3-9044-876B-883B54F8677D}" type="slidenum">
+              <a:t>‹#›</a:t>
+            </a:fld>
+            <a:endParaRPr/>
           </a:p>
         </p:txBody>
       </p:sp>
@@ -1315,12 +1359,12 @@
   <p:clrMapOvr>
     <a:masterClrMapping/>
   </p:clrMapOvr>
-  <p:transition xmlns:p14="http://schemas.microsoft.com/office/powerpoint/2010/main" spd="med" advClick="1"/>
+  <p:transition spd="med"/>
 </p:sldLayout>
 </file>
 
 <file path=ppt/slideLayouts/slideLayout7.xml><?xml version="1.0" encoding="utf-8"?>
-<p:sldLayout xmlns:a="http://schemas.openxmlformats.org/drawingml/2006/main" xmlns:r="http://schemas.openxmlformats.org/officeDocument/2006/relationships" xmlns:p="http://schemas.openxmlformats.org/presentationml/2006/main" xmlns:m="http://schemas.openxmlformats.org/officeDocument/2006/math" xmlns:a14="http://schemas.microsoft.com/office/drawing/2010/main" type="tx" showMasterSp="1" showMasterPhAnim="1">
+<p:sldLayout xmlns:a="http://schemas.openxmlformats.org/drawingml/2006/main" xmlns:r="http://schemas.openxmlformats.org/officeDocument/2006/relationships" xmlns:p="http://schemas.openxmlformats.org/presentationml/2006/main" type="tx">
   <p:cSld name="Blank">
     <p:spTree>
       <p:nvGrpSpPr>
@@ -1339,7 +1383,9 @@
       <p:sp>
         <p:nvSpPr>
           <p:cNvPr id="65" name="Slide Number"/>
-          <p:cNvSpPr txBox="1"/>
+          <p:cNvSpPr txBox="1">
+            <a:spLocks noGrp="1"/>
+          </p:cNvSpPr>
           <p:nvPr>
             <p:ph type="sldNum" sz="quarter" idx="2"/>
           </p:nvPr>
@@ -1353,8 +1399,10 @@
           <a:bodyPr/>
           <a:lstStyle/>
           <a:p>
-            <a:pPr/>
-            <a:fld id="{86CB4B4D-7CA3-9044-876B-883B54F8677D}" type="slidenum"/>
+            <a:fld id="{86CB4B4D-7CA3-9044-876B-883B54F8677D}" type="slidenum">
+              <a:t>‹#›</a:t>
+            </a:fld>
+            <a:endParaRPr/>
           </a:p>
         </p:txBody>
       </p:sp>
@@ -1363,12 +1411,12 @@
   <p:clrMapOvr>
     <a:masterClrMapping/>
   </p:clrMapOvr>
-  <p:transition xmlns:p14="http://schemas.microsoft.com/office/powerpoint/2010/main" spd="med" advClick="1"/>
+  <p:transition spd="med"/>
 </p:sldLayout>
 </file>
 
 <file path=ppt/slideLayouts/slideLayout8.xml><?xml version="1.0" encoding="utf-8"?>
-<p:sldLayout xmlns:a="http://schemas.openxmlformats.org/drawingml/2006/main" xmlns:r="http://schemas.openxmlformats.org/officeDocument/2006/relationships" xmlns:p="http://schemas.openxmlformats.org/presentationml/2006/main" xmlns:m="http://schemas.openxmlformats.org/officeDocument/2006/math" xmlns:a14="http://schemas.microsoft.com/office/drawing/2010/main" type="tx" showMasterSp="1" showMasterPhAnim="1">
+<p:sldLayout xmlns:a="http://schemas.openxmlformats.org/drawingml/2006/main" xmlns:r="http://schemas.openxmlformats.org/officeDocument/2006/relationships" xmlns:p="http://schemas.openxmlformats.org/presentationml/2006/main" type="tx">
   <p:cSld name="Content with Caption">
     <p:spTree>
       <p:nvGrpSpPr>
@@ -1387,7 +1435,9 @@
       <p:sp>
         <p:nvSpPr>
           <p:cNvPr id="72" name="Title Text"/>
-          <p:cNvSpPr txBox="1"/>
+          <p:cNvSpPr txBox="1">
+            <a:spLocks noGrp="1"/>
+          </p:cNvSpPr>
           <p:nvPr>
             <p:ph type="title"/>
           </p:nvPr>
@@ -1409,7 +1459,6 @@
             </a:lvl1pPr>
           </a:lstStyle>
           <a:p>
-            <a:pPr/>
             <a:r>
               <a:t>Title Text</a:t>
             </a:r>
@@ -1419,7 +1468,9 @@
       <p:sp>
         <p:nvSpPr>
           <p:cNvPr id="73" name="Body Level One…"/>
-          <p:cNvSpPr txBox="1"/>
+          <p:cNvSpPr txBox="1">
+            <a:spLocks noGrp="1"/>
+          </p:cNvSpPr>
           <p:nvPr>
             <p:ph type="body" sz="half" idx="1"/>
           </p:nvPr>
@@ -1453,7 +1504,6 @@
             </a:lvl5pPr>
           </a:lstStyle>
           <a:p>
-            <a:pPr/>
             <a:r>
               <a:t>Body Level One</a:t>
             </a:r>
@@ -1487,7 +1537,9 @@
       <p:sp>
         <p:nvSpPr>
           <p:cNvPr id="74" name="Text Placeholder 3"/>
-          <p:cNvSpPr/>
+          <p:cNvSpPr>
+            <a:spLocks noGrp="1"/>
+          </p:cNvSpPr>
           <p:nvPr>
             <p:ph type="body" sz="quarter" idx="13"/>
           </p:nvPr>
@@ -1511,13 +1563,16 @@
               <a:buNone/>
               <a:defRPr sz="1600"/>
             </a:pPr>
+            <a:endParaRPr/>
           </a:p>
         </p:txBody>
       </p:sp>
       <p:sp>
         <p:nvSpPr>
           <p:cNvPr id="75" name="Slide Number"/>
-          <p:cNvSpPr txBox="1"/>
+          <p:cNvSpPr txBox="1">
+            <a:spLocks noGrp="1"/>
+          </p:cNvSpPr>
           <p:nvPr>
             <p:ph type="sldNum" sz="quarter" idx="2"/>
           </p:nvPr>
@@ -1531,8 +1586,10 @@
           <a:bodyPr/>
           <a:lstStyle/>
           <a:p>
-            <a:pPr/>
-            <a:fld id="{86CB4B4D-7CA3-9044-876B-883B54F8677D}" type="slidenum"/>
+            <a:fld id="{86CB4B4D-7CA3-9044-876B-883B54F8677D}" type="slidenum">
+              <a:t>‹#›</a:t>
+            </a:fld>
+            <a:endParaRPr/>
           </a:p>
         </p:txBody>
       </p:sp>
@@ -1541,12 +1598,12 @@
   <p:clrMapOvr>
     <a:masterClrMapping/>
   </p:clrMapOvr>
-  <p:transition xmlns:p14="http://schemas.microsoft.com/office/powerpoint/2010/main" spd="med" advClick="1"/>
+  <p:transition spd="med"/>
 </p:sldLayout>
 </file>
 
 <file path=ppt/slideLayouts/slideLayout9.xml><?xml version="1.0" encoding="utf-8"?>
-<p:sldLayout xmlns:a="http://schemas.openxmlformats.org/drawingml/2006/main" xmlns:r="http://schemas.openxmlformats.org/officeDocument/2006/relationships" xmlns:p="http://schemas.openxmlformats.org/presentationml/2006/main" xmlns:m="http://schemas.openxmlformats.org/officeDocument/2006/math" xmlns:a14="http://schemas.microsoft.com/office/drawing/2010/main" type="tx" showMasterSp="1" showMasterPhAnim="1">
+<p:sldLayout xmlns:a="http://schemas.openxmlformats.org/drawingml/2006/main" xmlns:r="http://schemas.openxmlformats.org/officeDocument/2006/relationships" xmlns:p="http://schemas.openxmlformats.org/presentationml/2006/main" type="tx">
   <p:cSld name="Picture with Caption">
     <p:spTree>
       <p:nvGrpSpPr>
@@ -1565,7 +1622,9 @@
       <p:sp>
         <p:nvSpPr>
           <p:cNvPr id="82" name="Title Text"/>
-          <p:cNvSpPr txBox="1"/>
+          <p:cNvSpPr txBox="1">
+            <a:spLocks noGrp="1"/>
+          </p:cNvSpPr>
           <p:nvPr>
             <p:ph type="title"/>
           </p:nvPr>
@@ -1587,7 +1646,6 @@
             </a:lvl1pPr>
           </a:lstStyle>
           <a:p>
-            <a:pPr/>
             <a:r>
               <a:t>Title Text</a:t>
             </a:r>
@@ -1597,7 +1655,9 @@
       <p:sp>
         <p:nvSpPr>
           <p:cNvPr id="83" name="Picture Placeholder 2"/>
-          <p:cNvSpPr/>
+          <p:cNvSpPr>
+            <a:spLocks noGrp="1"/>
+          </p:cNvSpPr>
           <p:nvPr>
             <p:ph type="pic" sz="half" idx="13"/>
           </p:nvPr>
@@ -1617,14 +1677,16 @@
           </a:bodyPr>
           <a:lstStyle/>
           <a:p>
-            <a:pPr/>
+            <a:endParaRPr/>
           </a:p>
         </p:txBody>
       </p:sp>
       <p:sp>
         <p:nvSpPr>
           <p:cNvPr id="84" name="Body Level One…"/>
-          <p:cNvSpPr txBox="1"/>
+          <p:cNvSpPr txBox="1">
+            <a:spLocks noGrp="1"/>
+          </p:cNvSpPr>
           <p:nvPr>
             <p:ph type="body" sz="quarter" idx="1"/>
           </p:nvPr>
@@ -1673,7 +1735,6 @@
             </a:lvl5pPr>
           </a:lstStyle>
           <a:p>
-            <a:pPr/>
             <a:r>
               <a:t>Body Level One</a:t>
             </a:r>
@@ -1707,7 +1768,9 @@
       <p:sp>
         <p:nvSpPr>
           <p:cNvPr id="85" name="Slide Number"/>
-          <p:cNvSpPr txBox="1"/>
+          <p:cNvSpPr txBox="1">
+            <a:spLocks noGrp="1"/>
+          </p:cNvSpPr>
           <p:nvPr>
             <p:ph type="sldNum" sz="quarter" idx="2"/>
           </p:nvPr>
@@ -1721,8 +1784,10 @@
           <a:bodyPr/>
           <a:lstStyle/>
           <a:p>
-            <a:pPr/>
-            <a:fld id="{86CB4B4D-7CA3-9044-876B-883B54F8677D}" type="slidenum"/>
+            <a:fld id="{86CB4B4D-7CA3-9044-876B-883B54F8677D}" type="slidenum">
+              <a:t>‹#›</a:t>
+            </a:fld>
+            <a:endParaRPr/>
           </a:p>
         </p:txBody>
       </p:sp>
@@ -1731,18 +1796,19 @@
   <p:clrMapOvr>
     <a:masterClrMapping/>
   </p:clrMapOvr>
-  <p:transition xmlns:p14="http://schemas.microsoft.com/office/powerpoint/2010/main" spd="med" advClick="1"/>
+  <p:transition spd="med"/>
 </p:sldLayout>
 </file>
 
 <file path=ppt/slideMasters/slideMaster1.xml><?xml version="1.0" encoding="utf-8"?>
-<p:sldMaster xmlns:a="http://schemas.openxmlformats.org/drawingml/2006/main" xmlns:r="http://schemas.openxmlformats.org/officeDocument/2006/relationships" xmlns:p="http://schemas.openxmlformats.org/presentationml/2006/main" xmlns:m="http://schemas.openxmlformats.org/officeDocument/2006/math" xmlns:a14="http://schemas.microsoft.com/office/drawing/2010/main">
+<p:sldMaster xmlns:a="http://schemas.openxmlformats.org/drawingml/2006/main" xmlns:r="http://schemas.openxmlformats.org/officeDocument/2006/relationships" xmlns:p="http://schemas.openxmlformats.org/presentationml/2006/main">
   <p:cSld>
     <p:bg>
       <p:bgPr>
         <a:solidFill>
           <a:srgbClr val="FFFFFF"/>
         </a:solidFill>
+        <a:effectLst/>
       </p:bgPr>
     </p:bg>
     <p:spTree>
@@ -1762,7 +1828,9 @@
       <p:sp>
         <p:nvSpPr>
           <p:cNvPr id="2" name="Title Text"/>
-          <p:cNvSpPr txBox="1"/>
+          <p:cNvSpPr txBox="1">
+            <a:spLocks noGrp="1"/>
+          </p:cNvSpPr>
           <p:nvPr>
             <p:ph type="title"/>
           </p:nvPr>
@@ -1780,17 +1848,16 @@
           </a:ln>
           <a:extLst>
             <a:ext uri="{C572A759-6A51-4108-AA02-DFA0A04FC94B}">
-              <ma14:wrappingTextBoxFlag xmlns:ma14="http://schemas.microsoft.com/office/mac/drawingml/2011/main" val="1"/>
+              <ma14:wrappingTextBoxFlag xmlns:ma14="http://schemas.microsoft.com/office/mac/drawingml/2011/main" xmlns:a14="http://schemas.microsoft.com/office/drawing/2010/main" xmlns:m="http://schemas.openxmlformats.org/officeDocument/2006/math" xmlns="" val="1"/>
             </a:ext>
           </a:extLst>
         </p:spPr>
         <p:txBody>
           <a:bodyPr lIns="45719" rIns="45719" anchor="ctr">
-            <a:normAutofit fontScale="100000" lnSpcReduction="0"/>
+            <a:normAutofit/>
           </a:bodyPr>
           <a:lstStyle/>
           <a:p>
-            <a:pPr/>
             <a:r>
               <a:t>Title Text</a:t>
             </a:r>
@@ -1800,7 +1867,9 @@
       <p:sp>
         <p:nvSpPr>
           <p:cNvPr id="3" name="Body Level One…"/>
-          <p:cNvSpPr txBox="1"/>
+          <p:cNvSpPr txBox="1">
+            <a:spLocks noGrp="1"/>
+          </p:cNvSpPr>
           <p:nvPr>
             <p:ph type="body" idx="1"/>
           </p:nvPr>
@@ -1818,17 +1887,16 @@
           </a:ln>
           <a:extLst>
             <a:ext uri="{C572A759-6A51-4108-AA02-DFA0A04FC94B}">
-              <ma14:wrappingTextBoxFlag xmlns:ma14="http://schemas.microsoft.com/office/mac/drawingml/2011/main" val="1"/>
+              <ma14:wrappingTextBoxFlag xmlns:ma14="http://schemas.microsoft.com/office/mac/drawingml/2011/main" xmlns:a14="http://schemas.microsoft.com/office/drawing/2010/main" xmlns:m="http://schemas.openxmlformats.org/officeDocument/2006/math" xmlns="" val="1"/>
             </a:ext>
           </a:extLst>
         </p:spPr>
         <p:txBody>
           <a:bodyPr lIns="45719" rIns="45719">
-            <a:normAutofit fontScale="100000" lnSpcReduction="0"/>
+            <a:normAutofit/>
           </a:bodyPr>
           <a:lstStyle/>
           <a:p>
-            <a:pPr/>
             <a:r>
               <a:t>Body Level One</a:t>
             </a:r>
@@ -1862,7 +1930,9 @@
       <p:sp>
         <p:nvSpPr>
           <p:cNvPr id="4" name="Slide Number"/>
-          <p:cNvSpPr txBox="1"/>
+          <p:cNvSpPr txBox="1">
+            <a:spLocks noGrp="1"/>
+          </p:cNvSpPr>
           <p:nvPr>
             <p:ph type="sldNum" sz="quarter" idx="2"/>
           </p:nvPr>
@@ -1893,8 +1963,10 @@
             </a:lvl1pPr>
           </a:lstStyle>
           <a:p>
-            <a:pPr/>
-            <a:fld id="{86CB4B4D-7CA3-9044-876B-883B54F8677D}" type="slidenum"/>
+            <a:fld id="{86CB4B4D-7CA3-9044-876B-883B54F8677D}" type="slidenum">
+              <a:t>‹#›</a:t>
+            </a:fld>
+            <a:endParaRPr/>
           </a:p>
         </p:txBody>
       </p:sp>
@@ -1902,17 +1974,17 @@
   </p:cSld>
   <p:clrMap bg1="lt1" tx1="dk1" bg2="lt2" tx2="dk2" accent1="accent1" accent2="accent2" accent3="accent3" accent4="accent4" accent5="accent5" accent6="accent6" hlink="hlink" folHlink="folHlink"/>
   <p:sldLayoutIdLst>
-    <p:sldLayoutId id="2147483649" r:id="rId2"/>
-    <p:sldLayoutId id="2147483650" r:id="rId3"/>
-    <p:sldLayoutId id="2147483651" r:id="rId4"/>
-    <p:sldLayoutId id="2147483652" r:id="rId5"/>
-    <p:sldLayoutId id="2147483653" r:id="rId6"/>
-    <p:sldLayoutId id="2147483654" r:id="rId7"/>
-    <p:sldLayoutId id="2147483655" r:id="rId8"/>
-    <p:sldLayoutId id="2147483656" r:id="rId9"/>
-    <p:sldLayoutId id="2147483657" r:id="rId10"/>
+    <p:sldLayoutId id="2147483649" r:id="rId1"/>
+    <p:sldLayoutId id="2147483650" r:id="rId2"/>
+    <p:sldLayoutId id="2147483651" r:id="rId3"/>
+    <p:sldLayoutId id="2147483652" r:id="rId4"/>
+    <p:sldLayoutId id="2147483653" r:id="rId5"/>
+    <p:sldLayoutId id="2147483654" r:id="rId6"/>
+    <p:sldLayoutId id="2147483655" r:id="rId7"/>
+    <p:sldLayoutId id="2147483656" r:id="rId8"/>
+    <p:sldLayoutId id="2147483657" r:id="rId9"/>
   </p:sldLayoutIdLst>
-  <p:transition xmlns:p14="http://schemas.microsoft.com/office/powerpoint/2010/main" spd="med" advClick="1"/>
+  <p:transition spd="med"/>
   <p:txStyles>
     <p:titleStyle>
       <a:lvl1pPr marL="0" marR="0" indent="0" algn="l" defTabSz="914400" rtl="0" latinLnBrk="0">
@@ -1930,7 +2002,7 @@
         <a:buFontTx/>
         <a:buNone/>
         <a:tabLst/>
-        <a:defRPr b="0" baseline="0" cap="none" i="0" spc="0" strike="noStrike" sz="4400" u="none">
+        <a:defRPr sz="4400" b="0" i="0" u="none" strike="noStrike" cap="none" spc="0" baseline="0">
           <a:solidFill>
             <a:srgbClr val="000000"/>
           </a:solidFill>
@@ -1956,7 +2028,7 @@
         <a:buFontTx/>
         <a:buNone/>
         <a:tabLst/>
-        <a:defRPr b="0" baseline="0" cap="none" i="0" spc="0" strike="noStrike" sz="4400" u="none">
+        <a:defRPr sz="4400" b="0" i="0" u="none" strike="noStrike" cap="none" spc="0" baseline="0">
           <a:solidFill>
             <a:srgbClr val="000000"/>
           </a:solidFill>
@@ -1982,7 +2054,7 @@
         <a:buFontTx/>
         <a:buNone/>
         <a:tabLst/>
-        <a:defRPr b="0" baseline="0" cap="none" i="0" spc="0" strike="noStrike" sz="4400" u="none">
+        <a:defRPr sz="4400" b="0" i="0" u="none" strike="noStrike" cap="none" spc="0" baseline="0">
           <a:solidFill>
             <a:srgbClr val="000000"/>
           </a:solidFill>
@@ -2008,7 +2080,7 @@
         <a:buFontTx/>
         <a:buNone/>
         <a:tabLst/>
-        <a:defRPr b="0" baseline="0" cap="none" i="0" spc="0" strike="noStrike" sz="4400" u="none">
+        <a:defRPr sz="4400" b="0" i="0" u="none" strike="noStrike" cap="none" spc="0" baseline="0">
           <a:solidFill>
             <a:srgbClr val="000000"/>
           </a:solidFill>
@@ -2034,7 +2106,7 @@
         <a:buFontTx/>
         <a:buNone/>
         <a:tabLst/>
-        <a:defRPr b="0" baseline="0" cap="none" i="0" spc="0" strike="noStrike" sz="4400" u="none">
+        <a:defRPr sz="4400" b="0" i="0" u="none" strike="noStrike" cap="none" spc="0" baseline="0">
           <a:solidFill>
             <a:srgbClr val="000000"/>
           </a:solidFill>
@@ -2060,7 +2132,7 @@
         <a:buFontTx/>
         <a:buNone/>
         <a:tabLst/>
-        <a:defRPr b="0" baseline="0" cap="none" i="0" spc="0" strike="noStrike" sz="4400" u="none">
+        <a:defRPr sz="4400" b="0" i="0" u="none" strike="noStrike" cap="none" spc="0" baseline="0">
           <a:solidFill>
             <a:srgbClr val="000000"/>
           </a:solidFill>
@@ -2086,7 +2158,7 @@
         <a:buFontTx/>
         <a:buNone/>
         <a:tabLst/>
-        <a:defRPr b="0" baseline="0" cap="none" i="0" spc="0" strike="noStrike" sz="4400" u="none">
+        <a:defRPr sz="4400" b="0" i="0" u="none" strike="noStrike" cap="none" spc="0" baseline="0">
           <a:solidFill>
             <a:srgbClr val="000000"/>
           </a:solidFill>
@@ -2112,7 +2184,7 @@
         <a:buFontTx/>
         <a:buNone/>
         <a:tabLst/>
-        <a:defRPr b="0" baseline="0" cap="none" i="0" spc="0" strike="noStrike" sz="4400" u="none">
+        <a:defRPr sz="4400" b="0" i="0" u="none" strike="noStrike" cap="none" spc="0" baseline="0">
           <a:solidFill>
             <a:srgbClr val="000000"/>
           </a:solidFill>
@@ -2138,7 +2210,7 @@
         <a:buFontTx/>
         <a:buNone/>
         <a:tabLst/>
-        <a:defRPr b="0" baseline="0" cap="none" i="0" spc="0" strike="noStrike" sz="4400" u="none">
+        <a:defRPr sz="4400" b="0" i="0" u="none" strike="noStrike" cap="none" spc="0" baseline="0">
           <a:solidFill>
             <a:srgbClr val="000000"/>
           </a:solidFill>
@@ -2166,7 +2238,7 @@
         <a:buFont typeface="Arial"/>
         <a:buChar char="•"/>
         <a:tabLst/>
-        <a:defRPr b="0" baseline="0" cap="none" i="0" spc="0" strike="noStrike" sz="2800" u="none">
+        <a:defRPr sz="2800" b="0" i="0" u="none" strike="noStrike" cap="none" spc="0" baseline="0">
           <a:solidFill>
             <a:srgbClr val="000000"/>
           </a:solidFill>
@@ -2192,7 +2264,7 @@
         <a:buFont typeface="Arial"/>
         <a:buChar char="•"/>
         <a:tabLst/>
-        <a:defRPr b="0" baseline="0" cap="none" i="0" spc="0" strike="noStrike" sz="2800" u="none">
+        <a:defRPr sz="2800" b="0" i="0" u="none" strike="noStrike" cap="none" spc="0" baseline="0">
           <a:solidFill>
             <a:srgbClr val="000000"/>
           </a:solidFill>
@@ -2218,7 +2290,7 @@
         <a:buFont typeface="Arial"/>
         <a:buChar char="•"/>
         <a:tabLst/>
-        <a:defRPr b="0" baseline="0" cap="none" i="0" spc="0" strike="noStrike" sz="2800" u="none">
+        <a:defRPr sz="2800" b="0" i="0" u="none" strike="noStrike" cap="none" spc="0" baseline="0">
           <a:solidFill>
             <a:srgbClr val="000000"/>
           </a:solidFill>
@@ -2244,7 +2316,7 @@
         <a:buFont typeface="Arial"/>
         <a:buChar char="•"/>
         <a:tabLst/>
-        <a:defRPr b="0" baseline="0" cap="none" i="0" spc="0" strike="noStrike" sz="2800" u="none">
+        <a:defRPr sz="2800" b="0" i="0" u="none" strike="noStrike" cap="none" spc="0" baseline="0">
           <a:solidFill>
             <a:srgbClr val="000000"/>
           </a:solidFill>
@@ -2270,7 +2342,7 @@
         <a:buFont typeface="Arial"/>
         <a:buChar char="•"/>
         <a:tabLst/>
-        <a:defRPr b="0" baseline="0" cap="none" i="0" spc="0" strike="noStrike" sz="2800" u="none">
+        <a:defRPr sz="2800" b="0" i="0" u="none" strike="noStrike" cap="none" spc="0" baseline="0">
           <a:solidFill>
             <a:srgbClr val="000000"/>
           </a:solidFill>
@@ -2296,7 +2368,7 @@
         <a:buFont typeface="Arial"/>
         <a:buChar char="•"/>
         <a:tabLst/>
-        <a:defRPr b="0" baseline="0" cap="none" i="0" spc="0" strike="noStrike" sz="2800" u="none">
+        <a:defRPr sz="2800" b="0" i="0" u="none" strike="noStrike" cap="none" spc="0" baseline="0">
           <a:solidFill>
             <a:srgbClr val="000000"/>
           </a:solidFill>
@@ -2322,7 +2394,7 @@
         <a:buFont typeface="Arial"/>
         <a:buChar char="•"/>
         <a:tabLst/>
-        <a:defRPr b="0" baseline="0" cap="none" i="0" spc="0" strike="noStrike" sz="2800" u="none">
+        <a:defRPr sz="2800" b="0" i="0" u="none" strike="noStrike" cap="none" spc="0" baseline="0">
           <a:solidFill>
             <a:srgbClr val="000000"/>
           </a:solidFill>
@@ -2348,7 +2420,7 @@
         <a:buFont typeface="Arial"/>
         <a:buChar char="•"/>
         <a:tabLst/>
-        <a:defRPr b="0" baseline="0" cap="none" i="0" spc="0" strike="noStrike" sz="2800" u="none">
+        <a:defRPr sz="2800" b="0" i="0" u="none" strike="noStrike" cap="none" spc="0" baseline="0">
           <a:solidFill>
             <a:srgbClr val="000000"/>
           </a:solidFill>
@@ -2374,7 +2446,7 @@
         <a:buFont typeface="Arial"/>
         <a:buChar char="•"/>
         <a:tabLst/>
-        <a:defRPr b="0" baseline="0" cap="none" i="0" spc="0" strike="noStrike" sz="2800" u="none">
+        <a:defRPr sz="2800" b="0" i="0" u="none" strike="noStrike" cap="none" spc="0" baseline="0">
           <a:solidFill>
             <a:srgbClr val="000000"/>
           </a:solidFill>
@@ -2402,7 +2474,7 @@
         <a:buFontTx/>
         <a:buNone/>
         <a:tabLst/>
-        <a:defRPr b="0" baseline="0" cap="none" i="0" spc="0" strike="noStrike" sz="1200" u="none">
+        <a:defRPr sz="1200" b="0" i="0" u="none" strike="noStrike" cap="none" spc="0" baseline="0">
           <a:solidFill>
             <a:schemeClr val="tx1"/>
           </a:solidFill>
@@ -2428,7 +2500,7 @@
         <a:buFontTx/>
         <a:buNone/>
         <a:tabLst/>
-        <a:defRPr b="0" baseline="0" cap="none" i="0" spc="0" strike="noStrike" sz="1200" u="none">
+        <a:defRPr sz="1200" b="0" i="0" u="none" strike="noStrike" cap="none" spc="0" baseline="0">
           <a:solidFill>
             <a:schemeClr val="tx1"/>
           </a:solidFill>
@@ -2454,7 +2526,7 @@
         <a:buFontTx/>
         <a:buNone/>
         <a:tabLst/>
-        <a:defRPr b="0" baseline="0" cap="none" i="0" spc="0" strike="noStrike" sz="1200" u="none">
+        <a:defRPr sz="1200" b="0" i="0" u="none" strike="noStrike" cap="none" spc="0" baseline="0">
           <a:solidFill>
             <a:schemeClr val="tx1"/>
           </a:solidFill>
@@ -2480,7 +2552,7 @@
         <a:buFontTx/>
         <a:buNone/>
         <a:tabLst/>
-        <a:defRPr b="0" baseline="0" cap="none" i="0" spc="0" strike="noStrike" sz="1200" u="none">
+        <a:defRPr sz="1200" b="0" i="0" u="none" strike="noStrike" cap="none" spc="0" baseline="0">
           <a:solidFill>
             <a:schemeClr val="tx1"/>
           </a:solidFill>
@@ -2506,7 +2578,7 @@
         <a:buFontTx/>
         <a:buNone/>
         <a:tabLst/>
-        <a:defRPr b="0" baseline="0" cap="none" i="0" spc="0" strike="noStrike" sz="1200" u="none">
+        <a:defRPr sz="1200" b="0" i="0" u="none" strike="noStrike" cap="none" spc="0" baseline="0">
           <a:solidFill>
             <a:schemeClr val="tx1"/>
           </a:solidFill>
@@ -2532,7 +2604,7 @@
         <a:buFontTx/>
         <a:buNone/>
         <a:tabLst/>
-        <a:defRPr b="0" baseline="0" cap="none" i="0" spc="0" strike="noStrike" sz="1200" u="none">
+        <a:defRPr sz="1200" b="0" i="0" u="none" strike="noStrike" cap="none" spc="0" baseline="0">
           <a:solidFill>
             <a:schemeClr val="tx1"/>
           </a:solidFill>
@@ -2558,7 +2630,7 @@
         <a:buFontTx/>
         <a:buNone/>
         <a:tabLst/>
-        <a:defRPr b="0" baseline="0" cap="none" i="0" spc="0" strike="noStrike" sz="1200" u="none">
+        <a:defRPr sz="1200" b="0" i="0" u="none" strike="noStrike" cap="none" spc="0" baseline="0">
           <a:solidFill>
             <a:schemeClr val="tx1"/>
           </a:solidFill>
@@ -2584,7 +2656,7 @@
         <a:buFontTx/>
         <a:buNone/>
         <a:tabLst/>
-        <a:defRPr b="0" baseline="0" cap="none" i="0" spc="0" strike="noStrike" sz="1200" u="none">
+        <a:defRPr sz="1200" b="0" i="0" u="none" strike="noStrike" cap="none" spc="0" baseline="0">
           <a:solidFill>
             <a:schemeClr val="tx1"/>
           </a:solidFill>
@@ -2610,7 +2682,7 @@
         <a:buFontTx/>
         <a:buNone/>
         <a:tabLst/>
-        <a:defRPr b="0" baseline="0" cap="none" i="0" spc="0" strike="noStrike" sz="1200" u="none">
+        <a:defRPr sz="1200" b="0" i="0" u="none" strike="noStrike" cap="none" spc="0" baseline="0">
           <a:solidFill>
             <a:schemeClr val="tx1"/>
           </a:solidFill>
@@ -2627,13 +2699,14 @@
 </file>
 
 <file path=ppt/slides/slide1.xml><?xml version="1.0" encoding="utf-8"?>
-<p:sld xmlns:a="http://schemas.openxmlformats.org/drawingml/2006/main" xmlns:r="http://schemas.openxmlformats.org/officeDocument/2006/relationships" xmlns:p="http://schemas.openxmlformats.org/presentationml/2006/main" xmlns:m="http://schemas.openxmlformats.org/officeDocument/2006/math" xmlns:a14="http://schemas.microsoft.com/office/drawing/2010/main" showMasterSp="1" showMasterPhAnim="1">
+<p:sld xmlns:a="http://schemas.openxmlformats.org/drawingml/2006/main" xmlns:r="http://schemas.openxmlformats.org/officeDocument/2006/relationships" xmlns:p="http://schemas.openxmlformats.org/presentationml/2006/main">
   <p:cSld>
     <p:bg>
       <p:bgPr>
         <a:solidFill>
           <a:srgbClr val="EBEBEB"/>
         </a:solidFill>
+        <a:effectLst/>
       </p:bgPr>
     </p:bg>
     <p:spTree>
@@ -2653,12 +2726,18 @@
       <p:sp>
         <p:nvSpPr>
           <p:cNvPr id="94" name="Retention"/>
-          <p:cNvSpPr txBox="1"/>
+          <p:cNvSpPr txBox="1">
+            <a:spLocks noGrp="1"/>
+          </p:cNvSpPr>
           <p:nvPr>
             <p:ph type="ctrTitle"/>
           </p:nvPr>
         </p:nvSpPr>
         <p:spPr>
+          <a:xfrm>
+            <a:off x="1498791" y="2557570"/>
+            <a:ext cx="9169209" cy="952393"/>
+          </a:xfrm>
           <a:prstGeom prst="rect">
             <a:avLst/>
           </a:prstGeom>
@@ -2675,7 +2754,6 @@
             </a:lvl1pPr>
           </a:lstStyle>
           <a:p>
-            <a:pPr/>
             <a:r>
               <a:t>Retention</a:t>
             </a:r>
@@ -2687,12 +2765,12 @@
   <p:clrMapOvr>
     <a:masterClrMapping/>
   </p:clrMapOvr>
-  <p:transition xmlns:p14="http://schemas.microsoft.com/office/powerpoint/2010/main" spd="med" advClick="1"/>
+  <p:transition spd="med"/>
 </p:sld>
 </file>
 
 <file path=ppt/slides/slide2.xml><?xml version="1.0" encoding="utf-8"?>
-<p:sld xmlns:a="http://schemas.openxmlformats.org/drawingml/2006/main" xmlns:r="http://schemas.openxmlformats.org/officeDocument/2006/relationships" xmlns:p="http://schemas.openxmlformats.org/presentationml/2006/main" xmlns:m="http://schemas.openxmlformats.org/officeDocument/2006/math" xmlns:a14="http://schemas.microsoft.com/office/drawing/2010/main" showMasterSp="1" showMasterPhAnim="1">
+<p:sld xmlns:a="http://schemas.openxmlformats.org/drawingml/2006/main" xmlns:r="http://schemas.openxmlformats.org/officeDocument/2006/relationships" xmlns:p="http://schemas.openxmlformats.org/presentationml/2006/main">
   <p:cSld>
     <p:spTree>
       <p:nvGrpSpPr>
@@ -2843,7 +2921,7 @@
           </a:ln>
           <a:extLst>
             <a:ext uri="{C572A759-6A51-4108-AA02-DFA0A04FC94B}">
-              <ma14:wrappingTextBoxFlag xmlns:ma14="http://schemas.microsoft.com/office/mac/drawingml/2011/main" val="1"/>
+              <ma14:wrappingTextBoxFlag xmlns:ma14="http://schemas.microsoft.com/office/mac/drawingml/2011/main" xmlns:a14="http://schemas.microsoft.com/office/drawing/2010/main" xmlns:m="http://schemas.openxmlformats.org/officeDocument/2006/math" xmlns="" val="1"/>
             </a:ext>
           </a:extLst>
         </p:spPr>
@@ -2853,13 +2931,11 @@
           </a:bodyPr>
           <a:lstStyle/>
           <a:p>
-            <a:pPr/>
             <a:r>
               <a:t>Renewals ~ 62%</a:t>
             </a:r>
           </a:p>
           <a:p>
-            <a:pPr/>
             <a:r>
               <a:t>Non-renewals - 38%</a:t>
             </a:r>
@@ -2885,7 +2961,7 @@
           </a:ln>
           <a:extLst>
             <a:ext uri="{C572A759-6A51-4108-AA02-DFA0A04FC94B}">
-              <ma14:wrappingTextBoxFlag xmlns:ma14="http://schemas.microsoft.com/office/mac/drawingml/2011/main" val="1"/>
+              <ma14:wrappingTextBoxFlag xmlns:ma14="http://schemas.microsoft.com/office/mac/drawingml/2011/main" xmlns:a14="http://schemas.microsoft.com/office/drawing/2010/main" xmlns:m="http://schemas.openxmlformats.org/officeDocument/2006/math" xmlns="" val="1"/>
             </a:ext>
           </a:extLst>
         </p:spPr>
@@ -2895,31 +2971,26 @@
           </a:bodyPr>
           <a:lstStyle/>
           <a:p>
-            <a:pPr/>
             <a:r>
               <a:t>Married ~ 54%</a:t>
             </a:r>
           </a:p>
           <a:p>
-            <a:pPr/>
             <a:r>
               <a:t>Single ~ 35%</a:t>
             </a:r>
           </a:p>
           <a:p>
-            <a:pPr/>
             <a:r>
               <a:t>Divorced ~8%</a:t>
             </a:r>
           </a:p>
           <a:p>
-            <a:pPr/>
             <a:r>
               <a:t>Widow/Widower ~ 2%</a:t>
             </a:r>
           </a:p>
           <a:p>
-            <a:pPr/>
             <a:r>
               <a:t>Others &lt; 1%</a:t>
             </a:r>
@@ -2945,7 +3016,7 @@
           </a:ln>
           <a:extLst>
             <a:ext uri="{C572A759-6A51-4108-AA02-DFA0A04FC94B}">
-              <ma14:wrappingTextBoxFlag xmlns:ma14="http://schemas.microsoft.com/office/mac/drawingml/2011/main" val="1"/>
+              <ma14:wrappingTextBoxFlag xmlns:ma14="http://schemas.microsoft.com/office/mac/drawingml/2011/main" xmlns:a14="http://schemas.microsoft.com/office/drawing/2010/main" xmlns:m="http://schemas.openxmlformats.org/officeDocument/2006/math" xmlns="" val="1"/>
             </a:ext>
           </a:extLst>
         </p:spPr>
@@ -2955,19 +3026,16 @@
           </a:bodyPr>
           <a:lstStyle/>
           <a:p>
-            <a:pPr/>
             <a:r>
               <a:t>Male ~ 54.7%</a:t>
             </a:r>
           </a:p>
           <a:p>
-            <a:pPr/>
             <a:r>
               <a:t>Female ~ 45.2%</a:t>
             </a:r>
           </a:p>
           <a:p>
-            <a:pPr/>
             <a:r>
               <a:t>Others ~ 0.1%</a:t>
             </a:r>
@@ -2993,7 +3061,7 @@
           </a:ln>
           <a:extLst>
             <a:ext uri="{C572A759-6A51-4108-AA02-DFA0A04FC94B}">
-              <ma14:wrappingTextBoxFlag xmlns:ma14="http://schemas.microsoft.com/office/mac/drawingml/2011/main" val="1"/>
+              <ma14:wrappingTextBoxFlag xmlns:ma14="http://schemas.microsoft.com/office/mac/drawingml/2011/main" xmlns:a14="http://schemas.microsoft.com/office/drawing/2010/main" xmlns:m="http://schemas.openxmlformats.org/officeDocument/2006/math" xmlns="" val="1"/>
             </a:ext>
           </a:extLst>
         </p:spPr>
@@ -3003,49 +3071,41 @@
           </a:bodyPr>
           <a:lstStyle/>
           <a:p>
-            <a:pPr/>
             <a:r>
               <a:t>11-20 ~ 0.4%</a:t>
             </a:r>
           </a:p>
           <a:p>
-            <a:pPr/>
             <a:r>
               <a:t>21-30 ~ 13.2%</a:t>
             </a:r>
           </a:p>
           <a:p>
-            <a:pPr/>
             <a:r>
               <a:t>31-40 ~ 25.5%</a:t>
             </a:r>
           </a:p>
           <a:p>
-            <a:pPr/>
             <a:r>
               <a:t>41-50 ~ 31.4%</a:t>
             </a:r>
           </a:p>
           <a:p>
-            <a:pPr/>
             <a:r>
               <a:t>51-60 ~ 17.0%</a:t>
             </a:r>
           </a:p>
           <a:p>
-            <a:pPr/>
             <a:r>
               <a:t>61-70 ~ 9.2%</a:t>
             </a:r>
           </a:p>
           <a:p>
-            <a:pPr/>
             <a:r>
               <a:t>71-80 ~ 3.0%</a:t>
             </a:r>
           </a:p>
           <a:p>
-            <a:pPr/>
             <a:r>
               <a:t>81-90 ~ 0.3%</a:t>
             </a:r>
@@ -3087,7 +3147,7 @@
             <a:miter/>
           </a:ln>
           <a:effectLst>
-            <a:outerShdw sx="100000" sy="100000" kx="0" ky="0" algn="b" rotWithShape="0" blurRad="63500" dist="19050" dir="5400000">
+            <a:outerShdw blurRad="63500" dist="19050" dir="5400000" rotWithShape="0">
               <a:srgbClr val="000000">
                 <a:alpha val="63000"/>
               </a:srgbClr>
@@ -3095,7 +3155,7 @@
           </a:effectLst>
           <a:extLst>
             <a:ext uri="{C572A759-6A51-4108-AA02-DFA0A04FC94B}">
-              <ma14:wrappingTextBoxFlag xmlns:ma14="http://schemas.microsoft.com/office/mac/drawingml/2011/main" val="1"/>
+              <ma14:wrappingTextBoxFlag xmlns:ma14="http://schemas.microsoft.com/office/mac/drawingml/2011/main" xmlns:a14="http://schemas.microsoft.com/office/drawing/2010/main" xmlns:m="http://schemas.openxmlformats.org/officeDocument/2006/math" xmlns="" val="1"/>
             </a:ext>
           </a:extLst>
         </p:spPr>
@@ -3113,7 +3173,6 @@
             </a:lvl1pPr>
           </a:lstStyle>
           <a:p>
-            <a:pPr/>
             <a:r>
               <a:t>Policy renewal distribution</a:t>
             </a:r>
@@ -3155,7 +3214,7 @@
             <a:miter/>
           </a:ln>
           <a:effectLst>
-            <a:outerShdw sx="100000" sy="100000" kx="0" ky="0" algn="b" rotWithShape="0" blurRad="63500" dist="19050" dir="5400000">
+            <a:outerShdw blurRad="63500" dist="19050" dir="5400000" rotWithShape="0">
               <a:srgbClr val="000000">
                 <a:alpha val="63000"/>
               </a:srgbClr>
@@ -3163,7 +3222,7 @@
           </a:effectLst>
           <a:extLst>
             <a:ext uri="{C572A759-6A51-4108-AA02-DFA0A04FC94B}">
-              <ma14:wrappingTextBoxFlag xmlns:ma14="http://schemas.microsoft.com/office/mac/drawingml/2011/main" val="1"/>
+              <ma14:wrappingTextBoxFlag xmlns:ma14="http://schemas.microsoft.com/office/mac/drawingml/2011/main" xmlns:a14="http://schemas.microsoft.com/office/drawing/2010/main" xmlns:m="http://schemas.openxmlformats.org/officeDocument/2006/math" xmlns="" val="1"/>
             </a:ext>
           </a:extLst>
         </p:spPr>
@@ -3181,7 +3240,6 @@
             </a:lvl1pPr>
           </a:lstStyle>
           <a:p>
-            <a:pPr/>
             <a:r>
               <a:t>Age group distribution</a:t>
             </a:r>
@@ -3223,7 +3281,7 @@
             <a:miter/>
           </a:ln>
           <a:effectLst>
-            <a:outerShdw sx="100000" sy="100000" kx="0" ky="0" algn="b" rotWithShape="0" blurRad="63500" dist="19050" dir="5400000">
+            <a:outerShdw blurRad="63500" dist="19050" dir="5400000" rotWithShape="0">
               <a:srgbClr val="000000">
                 <a:alpha val="63000"/>
               </a:srgbClr>
@@ -3231,7 +3289,7 @@
           </a:effectLst>
           <a:extLst>
             <a:ext uri="{C572A759-6A51-4108-AA02-DFA0A04FC94B}">
-              <ma14:wrappingTextBoxFlag xmlns:ma14="http://schemas.microsoft.com/office/mac/drawingml/2011/main" val="1"/>
+              <ma14:wrappingTextBoxFlag xmlns:ma14="http://schemas.microsoft.com/office/mac/drawingml/2011/main" xmlns:a14="http://schemas.microsoft.com/office/drawing/2010/main" xmlns:m="http://schemas.openxmlformats.org/officeDocument/2006/math" xmlns="" val="1"/>
             </a:ext>
           </a:extLst>
         </p:spPr>
@@ -3249,7 +3307,6 @@
             </a:lvl1pPr>
           </a:lstStyle>
           <a:p>
-            <a:pPr/>
             <a:r>
               <a:t>Gender distribution</a:t>
             </a:r>
@@ -3291,7 +3348,7 @@
             <a:miter/>
           </a:ln>
           <a:effectLst>
-            <a:outerShdw sx="100000" sy="100000" kx="0" ky="0" algn="b" rotWithShape="0" blurRad="63500" dist="19050" dir="5400000">
+            <a:outerShdw blurRad="63500" dist="19050" dir="5400000" rotWithShape="0">
               <a:srgbClr val="000000">
                 <a:alpha val="63000"/>
               </a:srgbClr>
@@ -3299,7 +3356,7 @@
           </a:effectLst>
           <a:extLst>
             <a:ext uri="{C572A759-6A51-4108-AA02-DFA0A04FC94B}">
-              <ma14:wrappingTextBoxFlag xmlns:ma14="http://schemas.microsoft.com/office/mac/drawingml/2011/main" val="1"/>
+              <ma14:wrappingTextBoxFlag xmlns:ma14="http://schemas.microsoft.com/office/mac/drawingml/2011/main" xmlns:a14="http://schemas.microsoft.com/office/drawing/2010/main" xmlns:m="http://schemas.openxmlformats.org/officeDocument/2006/math" xmlns="" val="1"/>
             </a:ext>
           </a:extLst>
         </p:spPr>
@@ -3317,7 +3374,6 @@
             </a:lvl1pPr>
           </a:lstStyle>
           <a:p>
-            <a:pPr/>
             <a:r>
               <a:t>Marital status distribution</a:t>
             </a:r>
@@ -3327,7 +3383,9 @@
       <p:sp>
         <p:nvSpPr>
           <p:cNvPr id="108" name="Slide Number"/>
-          <p:cNvSpPr txBox="1"/>
+          <p:cNvSpPr txBox="1">
+            <a:spLocks noGrp="1"/>
+          </p:cNvSpPr>
           <p:nvPr>
             <p:ph type="sldNum" sz="quarter" idx="4294967295"/>
           </p:nvPr>
@@ -3342,7 +3400,7 @@
           </a:prstGeom>
           <a:extLst>
             <a:ext uri="{C572A759-6A51-4108-AA02-DFA0A04FC94B}">
-              <ma14:wrappingTextBoxFlag xmlns:ma14="http://schemas.microsoft.com/office/mac/drawingml/2011/main" val="1"/>
+              <ma14:wrappingTextBoxFlag xmlns:ma14="http://schemas.microsoft.com/office/mac/drawingml/2011/main" xmlns:a14="http://schemas.microsoft.com/office/drawing/2010/main" xmlns:m="http://schemas.openxmlformats.org/officeDocument/2006/math" xmlns="" val="1"/>
             </a:ext>
           </a:extLst>
         </p:spPr>
@@ -3350,8 +3408,10 @@
           <a:bodyPr/>
           <a:lstStyle/>
           <a:p>
-            <a:pPr/>
-            <a:fld id="{86CB4B4D-7CA3-9044-876B-883B54F8677D}" type="slidenum"/>
+            <a:fld id="{86CB4B4D-7CA3-9044-876B-883B54F8677D}" type="slidenum">
+              <a:t>2</a:t>
+            </a:fld>
+            <a:endParaRPr/>
           </a:p>
         </p:txBody>
       </p:sp>
@@ -3360,18 +3420,19 @@
   <p:clrMapOvr>
     <a:masterClrMapping/>
   </p:clrMapOvr>
-  <p:transition xmlns:p14="http://schemas.microsoft.com/office/powerpoint/2010/main" spd="med" advClick="1"/>
+  <p:transition spd="med"/>
 </p:sld>
 </file>
 
 <file path=ppt/slides/slide3.xml><?xml version="1.0" encoding="utf-8"?>
-<p:sld xmlns:a="http://schemas.openxmlformats.org/drawingml/2006/main" xmlns:r="http://schemas.openxmlformats.org/officeDocument/2006/relationships" xmlns:p="http://schemas.openxmlformats.org/presentationml/2006/main" xmlns:m="http://schemas.openxmlformats.org/officeDocument/2006/math" xmlns:a14="http://schemas.microsoft.com/office/drawing/2010/main" showMasterSp="1" showMasterPhAnim="1">
+<p:sld xmlns:a="http://schemas.openxmlformats.org/drawingml/2006/main" xmlns:r="http://schemas.openxmlformats.org/officeDocument/2006/relationships" xmlns:p="http://schemas.openxmlformats.org/presentationml/2006/main">
   <p:cSld>
     <p:bg>
       <p:bgPr>
         <a:solidFill>
           <a:srgbClr val="EBEBEB"/>
         </a:solidFill>
+        <a:effectLst/>
       </p:bgPr>
     </p:bg>
     <p:spTree>
@@ -3525,7 +3586,7 @@
           </a:ln>
           <a:extLst>
             <a:ext uri="{C572A759-6A51-4108-AA02-DFA0A04FC94B}">
-              <ma14:wrappingTextBoxFlag xmlns:ma14="http://schemas.microsoft.com/office/mac/drawingml/2011/main" val="1"/>
+              <ma14:wrappingTextBoxFlag xmlns:ma14="http://schemas.microsoft.com/office/mac/drawingml/2011/main" xmlns:a14="http://schemas.microsoft.com/office/drawing/2010/main" xmlns:m="http://schemas.openxmlformats.org/officeDocument/2006/math" xmlns="" val="1"/>
             </a:ext>
           </a:extLst>
         </p:spPr>
@@ -3535,13 +3596,11 @@
           </a:bodyPr>
           <a:lstStyle/>
           <a:p>
-            <a:pPr/>
             <a:r>
               <a:t>Equal renewal rates for all </a:t>
             </a:r>
           </a:p>
           <a:p>
-            <a:pPr/>
             <a:r>
               <a:t>Marital status (~60% )</a:t>
             </a:r>
@@ -3567,7 +3626,7 @@
           </a:ln>
           <a:extLst>
             <a:ext uri="{C572A759-6A51-4108-AA02-DFA0A04FC94B}">
-              <ma14:wrappingTextBoxFlag xmlns:ma14="http://schemas.microsoft.com/office/mac/drawingml/2011/main" val="1"/>
+              <ma14:wrappingTextBoxFlag xmlns:ma14="http://schemas.microsoft.com/office/mac/drawingml/2011/main" xmlns:a14="http://schemas.microsoft.com/office/drawing/2010/main" xmlns:m="http://schemas.openxmlformats.org/officeDocument/2006/math" xmlns="" val="1"/>
             </a:ext>
           </a:extLst>
         </p:spPr>
@@ -3577,13 +3636,11 @@
           </a:bodyPr>
           <a:lstStyle/>
           <a:p>
-            <a:pPr/>
             <a:r>
               <a:t>Monthly subscriptions have </a:t>
             </a:r>
           </a:p>
           <a:p>
-            <a:pPr/>
             <a:r>
               <a:t>more renewal rates.</a:t>
             </a:r>
@@ -3609,7 +3666,7 @@
           </a:ln>
           <a:extLst>
             <a:ext uri="{C572A759-6A51-4108-AA02-DFA0A04FC94B}">
-              <ma14:wrappingTextBoxFlag xmlns:ma14="http://schemas.microsoft.com/office/mac/drawingml/2011/main" val="1"/>
+              <ma14:wrappingTextBoxFlag xmlns:ma14="http://schemas.microsoft.com/office/mac/drawingml/2011/main" xmlns:a14="http://schemas.microsoft.com/office/drawing/2010/main" xmlns:m="http://schemas.openxmlformats.org/officeDocument/2006/math" xmlns="" val="1"/>
             </a:ext>
           </a:extLst>
         </p:spPr>
@@ -3619,13 +3676,11 @@
           </a:bodyPr>
           <a:lstStyle/>
           <a:p>
-            <a:pPr/>
             <a:r>
               <a:t>Equal renewal rate </a:t>
             </a:r>
           </a:p>
           <a:p>
-            <a:pPr/>
             <a:r>
               <a:t>for Male and Female (~60%)</a:t>
             </a:r>
@@ -3637,12 +3692,12 @@
   <p:clrMapOvr>
     <a:masterClrMapping/>
   </p:clrMapOvr>
-  <p:transition xmlns:p14="http://schemas.microsoft.com/office/powerpoint/2010/main" spd="med" advClick="1"/>
+  <p:transition spd="med"/>
 </p:sld>
 </file>
 
 <file path=ppt/slides/slide4.xml><?xml version="1.0" encoding="utf-8"?>
-<p:sld xmlns:a="http://schemas.openxmlformats.org/drawingml/2006/main" xmlns:r="http://schemas.openxmlformats.org/officeDocument/2006/relationships" xmlns:p="http://schemas.openxmlformats.org/presentationml/2006/main" xmlns:m="http://schemas.openxmlformats.org/officeDocument/2006/math" xmlns:a14="http://schemas.microsoft.com/office/drawing/2010/main" showMasterSp="1" showMasterPhAnim="1">
+<p:sld xmlns:a="http://schemas.openxmlformats.org/drawingml/2006/main" xmlns:r="http://schemas.openxmlformats.org/officeDocument/2006/relationships" xmlns:p="http://schemas.openxmlformats.org/presentationml/2006/main">
   <p:cSld>
     <p:spTree>
       <p:nvGrpSpPr>
@@ -3756,7 +3811,7 @@
         <p:spPr>
           <a:xfrm>
             <a:off x="7578861" y="4458076"/>
-            <a:ext cx="3855391" cy="294641"/>
+            <a:ext cx="3533979" cy="307777"/>
           </a:xfrm>
           <a:prstGeom prst="rect">
             <a:avLst/>
@@ -3766,7 +3821,7 @@
           </a:ln>
           <a:extLst>
             <a:ext uri="{C572A759-6A51-4108-AA02-DFA0A04FC94B}">
-              <ma14:wrappingTextBoxFlag xmlns:ma14="http://schemas.microsoft.com/office/mac/drawingml/2011/main" val="1"/>
+              <ma14:wrappingTextBoxFlag xmlns:ma14="http://schemas.microsoft.com/office/mac/drawingml/2011/main" xmlns:a14="http://schemas.microsoft.com/office/drawing/2010/main" xmlns:m="http://schemas.openxmlformats.org/officeDocument/2006/math" xmlns="" val="1"/>
             </a:ext>
           </a:extLst>
         </p:spPr>
@@ -3786,8 +3841,16 @@
             </a:lvl1pPr>
           </a:lstStyle>
           <a:p>
-            <a:pPr/>
-            <a:r>
+            <a:r>
+              <a:rPr dirty="0">
+                <a:effectLst>
+                  <a:outerShdw blurRad="38100" dist="38100" dir="2700000" algn="tl">
+                    <a:srgbClr val="000000">
+                      <a:alpha val="43137"/>
+                    </a:srgbClr>
+                  </a:outerShdw>
+                </a:effectLst>
+              </a:rPr>
               <a:t>Renewal rate increases with increase in Tenure</a:t>
             </a:r>
           </a:p>
@@ -3798,20 +3861,365 @@
   <p:clrMapOvr>
     <a:masterClrMapping/>
   </p:clrMapOvr>
-  <p:transition xmlns:p14="http://schemas.microsoft.com/office/powerpoint/2010/main" spd="med" advClick="1"/>
+  <p:transition spd="med"/>
 </p:sld>
 </file>
 
 <file path=ppt/slides/slide5.xml><?xml version="1.0" encoding="utf-8"?>
-<p:sld xmlns:a="http://schemas.openxmlformats.org/drawingml/2006/main" xmlns:r="http://schemas.openxmlformats.org/officeDocument/2006/relationships" xmlns:p="http://schemas.openxmlformats.org/presentationml/2006/main" xmlns:m="http://schemas.openxmlformats.org/officeDocument/2006/math" xmlns:a14="http://schemas.microsoft.com/office/drawing/2010/main" showMasterSp="1" showMasterPhAnim="1">
+<p:sld xmlns:a="http://schemas.openxmlformats.org/drawingml/2006/main" xmlns:r="http://schemas.openxmlformats.org/officeDocument/2006/relationships" xmlns:p="http://schemas.openxmlformats.org/presentationml/2006/main">
   <p:cSld>
     <p:bg>
       <p:bgPr>
         <a:solidFill>
           <a:srgbClr val="EBEBEB"/>
         </a:solidFill>
+        <a:effectLst/>
       </p:bgPr>
     </p:bg>
+    <p:spTree>
+      <p:nvGrpSpPr>
+        <p:cNvPr id="1" name=""/>
+        <p:cNvGrpSpPr/>
+        <p:nvPr/>
+      </p:nvGrpSpPr>
+      <p:grpSpPr>
+        <a:xfrm>
+          <a:off x="0" y="0"/>
+          <a:ext cx="0" cy="0"/>
+          <a:chOff x="0" y="0"/>
+          <a:chExt cx="0" cy="0"/>
+        </a:xfrm>
+      </p:grpSpPr>
+      <p:pic>
+        <p:nvPicPr>
+          <p:cNvPr id="124" name="Picture 15" descr="Picture 15"/>
+          <p:cNvPicPr>
+            <a:picLocks noChangeAspect="1"/>
+          </p:cNvPicPr>
+          <p:nvPr/>
+        </p:nvPicPr>
+        <p:blipFill>
+          <a:blip r:embed="rId2">
+            <a:extLst/>
+          </a:blip>
+          <a:stretch>
+            <a:fillRect/>
+          </a:stretch>
+        </p:blipFill>
+        <p:spPr>
+          <a:xfrm>
+            <a:off x="319836" y="379124"/>
+            <a:ext cx="8386371" cy="3092846"/>
+          </a:xfrm>
+          <a:prstGeom prst="rect">
+            <a:avLst/>
+          </a:prstGeom>
+          <a:ln w="12700">
+            <a:miter lim="400000"/>
+          </a:ln>
+        </p:spPr>
+      </p:pic>
+      <p:pic>
+        <p:nvPicPr>
+          <p:cNvPr id="125" name="Picture 19" descr="Picture 19"/>
+          <p:cNvPicPr>
+            <a:picLocks noChangeAspect="1"/>
+          </p:cNvPicPr>
+          <p:nvPr/>
+        </p:nvPicPr>
+        <p:blipFill>
+          <a:blip r:embed="rId3">
+            <a:extLst/>
+          </a:blip>
+          <a:stretch>
+            <a:fillRect/>
+          </a:stretch>
+        </p:blipFill>
+        <p:spPr>
+          <a:xfrm>
+            <a:off x="3423684" y="6094185"/>
+            <a:ext cx="1870856" cy="592438"/>
+          </a:xfrm>
+          <a:prstGeom prst="rect">
+            <a:avLst/>
+          </a:prstGeom>
+          <a:ln w="28575">
+            <a:solidFill>
+              <a:schemeClr val="accent1"/>
+            </a:solidFill>
+          </a:ln>
+        </p:spPr>
+      </p:pic>
+      <p:sp>
+        <p:nvSpPr>
+          <p:cNvPr id="128" name="Renewal rate drops to ~0% when  Actual change in price vs last year…"/>
+          <p:cNvSpPr txBox="1"/>
+          <p:nvPr/>
+        </p:nvSpPr>
+        <p:spPr>
+          <a:xfrm>
+            <a:off x="8772740" y="2276406"/>
+            <a:ext cx="3261956" cy="738664"/>
+          </a:xfrm>
+          <a:prstGeom prst="rect">
+            <a:avLst/>
+          </a:prstGeom>
+          <a:ln w="12700">
+            <a:miter lim="400000"/>
+          </a:ln>
+          <a:extLst>
+            <a:ext uri="{C572A759-6A51-4108-AA02-DFA0A04FC94B}">
+              <ma14:wrappingTextBoxFlag xmlns:ma14="http://schemas.microsoft.com/office/mac/drawingml/2011/main" xmlns:a14="http://schemas.microsoft.com/office/drawing/2010/main" xmlns:m="http://schemas.openxmlformats.org/officeDocument/2006/math" xmlns="" val="1"/>
+            </a:ext>
+          </a:extLst>
+        </p:spPr>
+        <p:txBody>
+          <a:bodyPr wrap="square" lIns="45719" rIns="45719">
+            <a:spAutoFit/>
+          </a:bodyPr>
+          <a:lstStyle/>
+          <a:p>
+            <a:pPr>
+              <a:defRPr>
+                <a:solidFill>
+                  <a:srgbClr val="FF2600"/>
+                </a:solidFill>
+              </a:defRPr>
+            </a:pPr>
+            <a:r>
+              <a:rPr dirty="0">
+                <a:solidFill>
+                  <a:schemeClr val="tx1"/>
+                </a:solidFill>
+                <a:effectLst>
+                  <a:outerShdw blurRad="38100" dist="38100" dir="2700000" algn="tl">
+                    <a:srgbClr val="000000">
+                      <a:alpha val="43137"/>
+                    </a:srgbClr>
+                  </a:outerShdw>
+                </a:effectLst>
+              </a:rPr>
+              <a:t>Renewal rate drops to ~0% when  </a:t>
+            </a:r>
+            <a:r>
+              <a:rPr i="1" dirty="0">
+                <a:solidFill>
+                  <a:schemeClr val="tx1"/>
+                </a:solidFill>
+                <a:effectLst>
+                  <a:outerShdw blurRad="38100" dist="38100" dir="2700000" algn="tl">
+                    <a:srgbClr val="000000">
+                      <a:alpha val="43137"/>
+                    </a:srgbClr>
+                  </a:outerShdw>
+                </a:effectLst>
+              </a:rPr>
+              <a:t>Actual change in price vs last year </a:t>
+            </a:r>
+          </a:p>
+          <a:p>
+            <a:pPr>
+              <a:defRPr>
+                <a:solidFill>
+                  <a:srgbClr val="FF2600"/>
+                </a:solidFill>
+              </a:defRPr>
+            </a:pPr>
+            <a:r>
+              <a:rPr i="1" dirty="0">
+                <a:solidFill>
+                  <a:schemeClr val="tx1"/>
+                </a:solidFill>
+                <a:effectLst>
+                  <a:outerShdw blurRad="38100" dist="38100" dir="2700000" algn="tl">
+                    <a:srgbClr val="000000">
+                      <a:alpha val="43137"/>
+                    </a:srgbClr>
+                  </a:outerShdw>
+                </a:effectLst>
+              </a:rPr>
+              <a:t>is over 7.5 times that of Price.</a:t>
+            </a:r>
+          </a:p>
+        </p:txBody>
+      </p:sp>
+      <p:pic>
+        <p:nvPicPr>
+          <p:cNvPr id="10" name="Picture 13" descr="Picture 13"/>
+          <p:cNvPicPr>
+            <a:picLocks noChangeAspect="1"/>
+          </p:cNvPicPr>
+          <p:nvPr/>
+        </p:nvPicPr>
+        <p:blipFill>
+          <a:blip r:embed="rId4">
+            <a:extLst/>
+          </a:blip>
+          <a:stretch>
+            <a:fillRect/>
+          </a:stretch>
+        </p:blipFill>
+        <p:spPr>
+          <a:xfrm>
+            <a:off x="319836" y="3724034"/>
+            <a:ext cx="3027522" cy="2962589"/>
+          </a:xfrm>
+          <a:prstGeom prst="rect">
+            <a:avLst/>
+          </a:prstGeom>
+          <a:ln w="12700">
+            <a:miter lim="400000"/>
+          </a:ln>
+        </p:spPr>
+      </p:pic>
+      <p:sp>
+        <p:nvSpPr>
+          <p:cNvPr id="11" name="0% renewal rate for Outbound…"/>
+          <p:cNvSpPr txBox="1"/>
+          <p:nvPr/>
+        </p:nvSpPr>
+        <p:spPr>
+          <a:xfrm>
+            <a:off x="3577826" y="4746676"/>
+            <a:ext cx="3943630" cy="738664"/>
+          </a:xfrm>
+          <a:prstGeom prst="rect">
+            <a:avLst/>
+          </a:prstGeom>
+          <a:ln w="12700">
+            <a:miter lim="400000"/>
+          </a:ln>
+          <a:extLst>
+            <a:ext uri="{C572A759-6A51-4108-AA02-DFA0A04FC94B}">
+              <ma14:wrappingTextBoxFlag xmlns:ma14="http://schemas.microsoft.com/office/mac/drawingml/2011/main" xmlns:a14="http://schemas.microsoft.com/office/drawing/2010/main" xmlns:m="http://schemas.openxmlformats.org/officeDocument/2006/math" xmlns="" val="1"/>
+            </a:ext>
+          </a:extLst>
+        </p:spPr>
+        <p:txBody>
+          <a:bodyPr wrap="square" lIns="45719" rIns="45719">
+            <a:spAutoFit/>
+          </a:bodyPr>
+          <a:lstStyle/>
+          <a:p>
+            <a:pPr marL="285750" indent="-285750">
+              <a:buFont typeface="Arial" panose="020B0604020202020204" pitchFamily="34" charset="0"/>
+              <a:buChar char="•"/>
+              <a:defRPr>
+                <a:solidFill>
+                  <a:srgbClr val="FF2600"/>
+                </a:solidFill>
+              </a:defRPr>
+            </a:pPr>
+            <a:r>
+              <a:rPr dirty="0">
+                <a:solidFill>
+                  <a:schemeClr val="tx1"/>
+                </a:solidFill>
+                <a:effectLst>
+                  <a:outerShdw blurRad="38100" dist="38100" dir="2700000" algn="tl">
+                    <a:srgbClr val="000000">
+                      <a:alpha val="43137"/>
+                    </a:srgbClr>
+                  </a:outerShdw>
+                </a:effectLst>
+              </a:rPr>
+              <a:t>0% renewal rate for </a:t>
+            </a:r>
+            <a:r>
+              <a:rPr i="1" dirty="0">
+                <a:solidFill>
+                  <a:schemeClr val="tx1"/>
+                </a:solidFill>
+                <a:effectLst>
+                  <a:outerShdw blurRad="38100" dist="38100" dir="2700000" algn="tl">
+                    <a:srgbClr val="000000">
+                      <a:alpha val="43137"/>
+                    </a:srgbClr>
+                  </a:outerShdw>
+                </a:effectLst>
+              </a:rPr>
+              <a:t>Outbound </a:t>
+            </a:r>
+            <a:r>
+              <a:rPr i="1" dirty="0" smtClean="0">
+                <a:solidFill>
+                  <a:schemeClr val="tx1"/>
+                </a:solidFill>
+                <a:effectLst>
+                  <a:outerShdw blurRad="38100" dist="38100" dir="2700000" algn="tl">
+                    <a:srgbClr val="000000">
+                      <a:alpha val="43137"/>
+                    </a:srgbClr>
+                  </a:outerShdw>
+                </a:effectLst>
+              </a:rPr>
+              <a:t>acquisition channel</a:t>
+            </a:r>
+            <a:endParaRPr lang="en-GB" i="1" dirty="0" smtClean="0">
+              <a:solidFill>
+                <a:schemeClr val="tx1"/>
+              </a:solidFill>
+              <a:effectLst>
+                <a:outerShdw blurRad="38100" dist="38100" dir="2700000" algn="tl">
+                  <a:srgbClr val="000000">
+                    <a:alpha val="43137"/>
+                  </a:srgbClr>
+                </a:outerShdw>
+              </a:effectLst>
+            </a:endParaRPr>
+          </a:p>
+          <a:p>
+            <a:pPr marL="285750" indent="-285750">
+              <a:buFont typeface="Arial" panose="020B0604020202020204" pitchFamily="34" charset="0"/>
+              <a:buChar char="•"/>
+              <a:defRPr>
+                <a:solidFill>
+                  <a:srgbClr val="FF2600"/>
+                </a:solidFill>
+              </a:defRPr>
+            </a:pPr>
+            <a:r>
+              <a:rPr lang="en-GB" i="1" dirty="0" smtClean="0">
+                <a:solidFill>
+                  <a:schemeClr val="tx1"/>
+                </a:solidFill>
+                <a:effectLst>
+                  <a:outerShdw blurRad="38100" dist="38100" dir="2700000" algn="tl">
+                    <a:srgbClr val="000000">
+                      <a:alpha val="43137"/>
+                    </a:srgbClr>
+                  </a:outerShdw>
+                </a:effectLst>
+              </a:rPr>
+              <a:t>Requires strategy improvements</a:t>
+            </a:r>
+            <a:endParaRPr i="1" dirty="0">
+              <a:solidFill>
+                <a:schemeClr val="tx1"/>
+              </a:solidFill>
+              <a:effectLst>
+                <a:outerShdw blurRad="38100" dist="38100" dir="2700000" algn="tl">
+                  <a:srgbClr val="000000">
+                    <a:alpha val="43137"/>
+                  </a:srgbClr>
+                </a:outerShdw>
+              </a:effectLst>
+            </a:endParaRPr>
+          </a:p>
+        </p:txBody>
+      </p:sp>
+    </p:spTree>
+  </p:cSld>
+  <p:clrMapOvr>
+    <a:masterClrMapping/>
+  </p:clrMapOvr>
+  <p:transition spd="med"/>
+</p:sld>
+</file>
+
+<file path=ppt/slides/slide6.xml><?xml version="1.0" encoding="utf-8"?>
+<p:sld xmlns:a="http://schemas.openxmlformats.org/drawingml/2006/main" xmlns:r="http://schemas.openxmlformats.org/officeDocument/2006/relationships" xmlns:p="http://schemas.openxmlformats.org/presentationml/2006/main">
+  <p:cSld>
     <p:spTree>
       <p:nvGrpSpPr>
         <p:cNvPr id="1" name=""/>
@@ -3844,37 +4252,8 @@
         </p:blipFill>
         <p:spPr>
           <a:xfrm>
-            <a:off x="366723" y="2815702"/>
-            <a:ext cx="5799981" cy="2397759"/>
-          </a:xfrm>
-          <a:prstGeom prst="rect">
-            <a:avLst/>
-          </a:prstGeom>
-          <a:ln w="12700">
-            <a:miter lim="400000"/>
-          </a:ln>
-        </p:spPr>
-      </p:pic>
-      <p:pic>
-        <p:nvPicPr>
-          <p:cNvPr id="124" name="Picture 15" descr="Picture 15"/>
-          <p:cNvPicPr>
-            <a:picLocks noChangeAspect="1"/>
-          </p:cNvPicPr>
-          <p:nvPr/>
-        </p:nvPicPr>
-        <p:blipFill>
-          <a:blip r:embed="rId3">
-            <a:extLst/>
-          </a:blip>
-          <a:stretch>
-            <a:fillRect/>
-          </a:stretch>
-        </p:blipFill>
-        <p:spPr>
-          <a:xfrm>
-            <a:off x="319837" y="379124"/>
-            <a:ext cx="5893754" cy="2173583"/>
+            <a:off x="469851" y="457513"/>
+            <a:ext cx="6626501" cy="3316965"/>
           </a:xfrm>
           <a:prstGeom prst="rect">
             <a:avLst/>
@@ -3893,7 +4272,7 @@
           <p:nvPr/>
         </p:nvPicPr>
         <p:blipFill>
-          <a:blip r:embed="rId4">
+          <a:blip r:embed="rId3">
             <a:extLst/>
           </a:blip>
           <a:stretch>
@@ -3902,7 +4281,7 @@
         </p:blipFill>
         <p:spPr>
           <a:xfrm>
-            <a:off x="397262" y="5736386"/>
+            <a:off x="566067" y="4114738"/>
             <a:ext cx="2439585" cy="772536"/>
           </a:xfrm>
           <a:prstGeom prst="rect">
@@ -3915,45 +4294,16 @@
           </a:ln>
         </p:spPr>
       </p:pic>
-      <p:pic>
-        <p:nvPicPr>
-          <p:cNvPr id="126" name="Picture 13" descr="Picture 13"/>
-          <p:cNvPicPr>
-            <a:picLocks noChangeAspect="1"/>
-          </p:cNvPicPr>
-          <p:nvPr/>
-        </p:nvPicPr>
-        <p:blipFill>
-          <a:blip r:embed="rId5">
-            <a:extLst/>
-          </a:blip>
-          <a:stretch>
-            <a:fillRect/>
-          </a:stretch>
-        </p:blipFill>
-        <p:spPr>
-          <a:xfrm>
-            <a:off x="8760798" y="2995264"/>
-            <a:ext cx="3027522" cy="2962589"/>
-          </a:xfrm>
-          <a:prstGeom prst="rect">
-            <a:avLst/>
-          </a:prstGeom>
-          <a:ln w="12700">
-            <a:miter lim="400000"/>
-          </a:ln>
-        </p:spPr>
-      </p:pic>
       <p:sp>
         <p:nvSpPr>
-          <p:cNvPr id="127" name="0% renewal rate for Outbound…"/>
+          <p:cNvPr id="9" name="Renewal rate drops to ~0% when  Actual change in price vs last year…"/>
           <p:cNvSpPr txBox="1"/>
           <p:nvPr/>
         </p:nvSpPr>
         <p:spPr>
           <a:xfrm>
-            <a:off x="8741735" y="6094213"/>
-            <a:ext cx="2607145" cy="497841"/>
+            <a:off x="7278792" y="1327224"/>
+            <a:ext cx="4059764" cy="523220"/>
           </a:xfrm>
           <a:prstGeom prst="rect">
             <a:avLst/>
@@ -3963,7 +4313,7 @@
           </a:ln>
           <a:extLst>
             <a:ext uri="{C572A759-6A51-4108-AA02-DFA0A04FC94B}">
-              <ma14:wrappingTextBoxFlag xmlns:ma14="http://schemas.microsoft.com/office/mac/drawingml/2011/main" val="1"/>
+              <ma14:wrappingTextBoxFlag xmlns:ma14="http://schemas.microsoft.com/office/mac/drawingml/2011/main" xmlns:a14="http://schemas.microsoft.com/office/drawing/2010/main" xmlns:m="http://schemas.openxmlformats.org/officeDocument/2006/math" xmlns="" val="1"/>
             </a:ext>
           </a:extLst>
         </p:spPr>
@@ -3973,7 +4323,9 @@
           </a:bodyPr>
           <a:lstStyle/>
           <a:p>
-            <a:pPr>
+            <a:pPr marL="285750" indent="-285750">
+              <a:buFont typeface="Arial" panose="020B0604020202020204" pitchFamily="34" charset="0"/>
+              <a:buChar char="•"/>
               <a:defRPr>
                 <a:solidFill>
                   <a:srgbClr val="FF2600"/>
@@ -3981,16 +4333,25 @@
               </a:defRPr>
             </a:pPr>
             <a:r>
-              <a:t>0% renewal rate for </a:t>
-            </a:r>
-            <a:r>
-              <a:rPr i="1"/>
-              <a:t>Outbound </a:t>
-            </a:r>
-            <a:endParaRPr i="1"/>
-          </a:p>
-          <a:p>
-            <a:pPr>
+              <a:rPr lang="en-GB" dirty="0" smtClean="0">
+                <a:solidFill>
+                  <a:schemeClr val="tx1"/>
+                </a:solidFill>
+                <a:effectLst>
+                  <a:outerShdw blurRad="38100" dist="38100" dir="2700000" algn="tl">
+                    <a:srgbClr val="000000">
+                      <a:alpha val="43137"/>
+                    </a:srgbClr>
+                  </a:outerShdw>
+                </a:effectLst>
+              </a:rPr>
+              <a:t>Lower renewal rate in age groups 11-30 and 71-90</a:t>
+            </a:r>
+          </a:p>
+          <a:p>
+            <a:pPr marL="285750" indent="-285750">
+              <a:buFont typeface="Arial" panose="020B0604020202020204" pitchFamily="34" charset="0"/>
+              <a:buChar char="•"/>
               <a:defRPr>
                 <a:solidFill>
                   <a:srgbClr val="FF2600"/>
@@ -3998,83 +4359,51 @@
               </a:defRPr>
             </a:pPr>
             <a:r>
-              <a:rPr i="1"/>
-              <a:t>acquisition channel</a:t>
-            </a:r>
-          </a:p>
-        </p:txBody>
-      </p:sp>
-      <p:sp>
-        <p:nvSpPr>
-          <p:cNvPr id="128" name="Renewal rate drops to ~0% when  Actual change in price vs last year…"/>
-          <p:cNvSpPr txBox="1"/>
-          <p:nvPr/>
-        </p:nvSpPr>
-        <p:spPr>
-          <a:xfrm>
-            <a:off x="6483596" y="523233"/>
-            <a:ext cx="5654227" cy="497841"/>
-          </a:xfrm>
-          <a:prstGeom prst="rect">
-            <a:avLst/>
-          </a:prstGeom>
-          <a:ln w="12700">
-            <a:miter lim="400000"/>
-          </a:ln>
-          <a:extLst>
-            <a:ext uri="{C572A759-6A51-4108-AA02-DFA0A04FC94B}">
-              <ma14:wrappingTextBoxFlag xmlns:ma14="http://schemas.microsoft.com/office/mac/drawingml/2011/main" val="1"/>
-            </a:ext>
-          </a:extLst>
-        </p:spPr>
-        <p:txBody>
-          <a:bodyPr wrap="none" lIns="45719" rIns="45719">
-            <a:spAutoFit/>
-          </a:bodyPr>
-          <a:lstStyle/>
-          <a:p>
-            <a:pPr>
-              <a:defRPr>
+              <a:rPr lang="en-GB" dirty="0" smtClean="0">
                 <a:solidFill>
-                  <a:srgbClr val="FF2600"/>
+                  <a:schemeClr val="tx1"/>
                 </a:solidFill>
-              </a:defRPr>
-            </a:pPr>
-            <a:r>
-              <a:t>Renewal rate drops to ~0% when  </a:t>
-            </a:r>
-            <a:r>
-              <a:rPr i="1"/>
-              <a:t>Actual change in price vs last year </a:t>
-            </a:r>
-            <a:endParaRPr i="1"/>
-          </a:p>
-          <a:p>
-            <a:pPr>
-              <a:defRPr>
-                <a:solidFill>
-                  <a:srgbClr val="FF2600"/>
-                </a:solidFill>
-              </a:defRPr>
-            </a:pPr>
-            <a:r>
-              <a:rPr i="1"/>
-              <a:t>is over 7.5 times that of Price.</a:t>
-            </a:r>
+                <a:effectLst>
+                  <a:outerShdw blurRad="38100" dist="38100" dir="2700000" algn="tl">
+                    <a:srgbClr val="000000">
+                      <a:alpha val="43137"/>
+                    </a:srgbClr>
+                  </a:outerShdw>
+                </a:effectLst>
+              </a:rPr>
+              <a:t>31-60 – most effective</a:t>
+            </a:r>
+            <a:endParaRPr i="1" dirty="0">
+              <a:solidFill>
+                <a:schemeClr val="tx1"/>
+              </a:solidFill>
+              <a:effectLst>
+                <a:outerShdw blurRad="38100" dist="38100" dir="2700000" algn="tl">
+                  <a:srgbClr val="000000">
+                    <a:alpha val="43137"/>
+                  </a:srgbClr>
+                </a:outerShdw>
+              </a:effectLst>
+            </a:endParaRPr>
           </a:p>
         </p:txBody>
       </p:sp>
     </p:spTree>
+    <p:extLst>
+      <p:ext uri="{BB962C8B-B14F-4D97-AF65-F5344CB8AC3E}">
+        <p14:creationId xmlns:p14="http://schemas.microsoft.com/office/powerpoint/2010/main" val="2309459632"/>
+      </p:ext>
+    </p:extLst>
   </p:cSld>
   <p:clrMapOvr>
     <a:masterClrMapping/>
   </p:clrMapOvr>
-  <p:transition xmlns:p14="http://schemas.microsoft.com/office/powerpoint/2010/main" spd="med" advClick="1"/>
+  <p:transition spd="med"/>
 </p:sld>
 </file>
 
 <file path=ppt/theme/theme1.xml><?xml version="1.0" encoding="utf-8"?>
-<a:theme xmlns:a="http://schemas.openxmlformats.org/drawingml/2006/main" xmlns:r="http://schemas.openxmlformats.org/officeDocument/2006/relationships" name="Office Theme">
+<a:theme xmlns:a="http://schemas.openxmlformats.org/drawingml/2006/main" name="Office Theme">
   <a:themeElements>
     <a:clrScheme name="Office Theme">
       <a:dk1>
@@ -4276,7 +4605,7 @@
         <a:effectLst/>
         <a:sp3d/>
       </a:spPr>
-      <a:bodyPr rot="0" spcFirstLastPara="1" vertOverflow="overflow" horzOverflow="overflow" vert="horz" wrap="square" lIns="45719" tIns="45719" rIns="45719" bIns="45719" numCol="1" spcCol="38100" rtlCol="0" anchor="ctr" upright="0">
+      <a:bodyPr rot="0" spcFirstLastPara="1" vertOverflow="overflow" horzOverflow="overflow" vert="horz" wrap="square" lIns="45719" tIns="45719" rIns="45719" bIns="45719" numCol="1" spcCol="38100" rtlCol="0" anchor="ctr">
         <a:spAutoFit/>
       </a:bodyPr>
       <a:lstStyle>
@@ -4295,7 +4624,7 @@
           <a:buFontTx/>
           <a:buNone/>
           <a:tabLst/>
-          <a:defRPr b="0" baseline="0" cap="none" i="0" spc="0" strike="noStrike" sz="1800" u="none" kumimoji="0" normalizeH="0">
+          <a:defRPr kumimoji="0" sz="1800" b="0" i="0" u="none" strike="noStrike" cap="none" spc="0" normalizeH="0" baseline="0">
             <a:ln>
               <a:noFill/>
             </a:ln>
@@ -4325,7 +4654,7 @@
           <a:buFontTx/>
           <a:buNone/>
           <a:tabLst/>
-          <a:defRPr b="0" baseline="0" cap="none" i="0" spc="0" strike="noStrike" sz="1800" u="none" kumimoji="0" normalizeH="0">
+          <a:defRPr kumimoji="0" sz="1800" b="0" i="0" u="none" strike="noStrike" cap="none" spc="0" normalizeH="0" baseline="0">
             <a:ln>
               <a:noFill/>
             </a:ln>
@@ -4351,7 +4680,7 @@
           <a:buFontTx/>
           <a:buNone/>
           <a:tabLst/>
-          <a:defRPr b="0" baseline="0" cap="none" i="0" spc="0" strike="noStrike" sz="1800" u="none" kumimoji="0" normalizeH="0">
+          <a:defRPr kumimoji="0" sz="1800" b="0" i="0" u="none" strike="noStrike" cap="none" spc="0" normalizeH="0" baseline="0">
             <a:ln>
               <a:noFill/>
             </a:ln>
@@ -4377,7 +4706,7 @@
           <a:buFontTx/>
           <a:buNone/>
           <a:tabLst/>
-          <a:defRPr b="0" baseline="0" cap="none" i="0" spc="0" strike="noStrike" sz="1800" u="none" kumimoji="0" normalizeH="0">
+          <a:defRPr kumimoji="0" sz="1800" b="0" i="0" u="none" strike="noStrike" cap="none" spc="0" normalizeH="0" baseline="0">
             <a:ln>
               <a:noFill/>
             </a:ln>
@@ -4403,7 +4732,7 @@
           <a:buFontTx/>
           <a:buNone/>
           <a:tabLst/>
-          <a:defRPr b="0" baseline="0" cap="none" i="0" spc="0" strike="noStrike" sz="1800" u="none" kumimoji="0" normalizeH="0">
+          <a:defRPr kumimoji="0" sz="1800" b="0" i="0" u="none" strike="noStrike" cap="none" spc="0" normalizeH="0" baseline="0">
             <a:ln>
               <a:noFill/>
             </a:ln>
@@ -4429,7 +4758,7 @@
           <a:buFontTx/>
           <a:buNone/>
           <a:tabLst/>
-          <a:defRPr b="0" baseline="0" cap="none" i="0" spc="0" strike="noStrike" sz="1800" u="none" kumimoji="0" normalizeH="0">
+          <a:defRPr kumimoji="0" sz="1800" b="0" i="0" u="none" strike="noStrike" cap="none" spc="0" normalizeH="0" baseline="0">
             <a:ln>
               <a:noFill/>
             </a:ln>
@@ -4455,7 +4784,7 @@
           <a:buFontTx/>
           <a:buNone/>
           <a:tabLst/>
-          <a:defRPr b="0" baseline="0" cap="none" i="0" spc="0" strike="noStrike" sz="1800" u="none" kumimoji="0" normalizeH="0">
+          <a:defRPr kumimoji="0" sz="1800" b="0" i="0" u="none" strike="noStrike" cap="none" spc="0" normalizeH="0" baseline="0">
             <a:ln>
               <a:noFill/>
             </a:ln>
@@ -4481,7 +4810,7 @@
           <a:buFontTx/>
           <a:buNone/>
           <a:tabLst/>
-          <a:defRPr b="0" baseline="0" cap="none" i="0" spc="0" strike="noStrike" sz="1800" u="none" kumimoji="0" normalizeH="0">
+          <a:defRPr kumimoji="0" sz="1800" b="0" i="0" u="none" strike="noStrike" cap="none" spc="0" normalizeH="0" baseline="0">
             <a:ln>
               <a:noFill/>
             </a:ln>
@@ -4507,7 +4836,7 @@
           <a:buFontTx/>
           <a:buNone/>
           <a:tabLst/>
-          <a:defRPr b="0" baseline="0" cap="none" i="0" spc="0" strike="noStrike" sz="1800" u="none" kumimoji="0" normalizeH="0">
+          <a:defRPr kumimoji="0" sz="1800" b="0" i="0" u="none" strike="noStrike" cap="none" spc="0" normalizeH="0" baseline="0">
             <a:ln>
               <a:noFill/>
             </a:ln>
@@ -4533,7 +4862,7 @@
           <a:buFontTx/>
           <a:buNone/>
           <a:tabLst/>
-          <a:defRPr b="0" baseline="0" cap="none" i="0" spc="0" strike="noStrike" sz="1800" u="none" kumimoji="0" normalizeH="0">
+          <a:defRPr kumimoji="0" sz="1800" b="0" i="0" u="none" strike="noStrike" cap="none" spc="0" normalizeH="0" baseline="0">
             <a:ln>
               <a:noFill/>
             </a:ln>
@@ -4546,9 +4875,15 @@
         </a:lvl9pPr>
       </a:lstStyle>
       <a:style>
-        <a:lnRef idx="0"/>
-        <a:fillRef idx="0"/>
-        <a:effectRef idx="0"/>
+        <a:lnRef idx="0">
+          <a:scrgbClr r="0" g="0" b="0"/>
+        </a:lnRef>
+        <a:fillRef idx="0">
+          <a:scrgbClr r="0" g="0" b="0"/>
+        </a:fillRef>
+        <a:effectRef idx="0">
+          <a:scrgbClr r="0" g="0" b="0"/>
+        </a:effectRef>
         <a:fontRef idx="none"/>
       </a:style>
     </a:spDef>
@@ -4565,7 +4900,7 @@
         <a:effectLst/>
         <a:sp3d/>
       </a:spPr>
-      <a:bodyPr rot="0" spcFirstLastPara="1" vertOverflow="overflow" horzOverflow="overflow" vert="horz" wrap="square" lIns="91439" tIns="45719" rIns="91439" bIns="45719" numCol="1" spcCol="38100" rtlCol="0" anchor="t" upright="0">
+      <a:bodyPr rot="0" spcFirstLastPara="1" vertOverflow="overflow" horzOverflow="overflow" vert="horz" wrap="square" lIns="91439" tIns="45719" rIns="91439" bIns="45719" numCol="1" spcCol="38100" rtlCol="0" anchor="t">
         <a:noAutofit/>
       </a:bodyPr>
       <a:lstStyle>
@@ -4584,7 +4919,7 @@
           <a:buFontTx/>
           <a:buNone/>
           <a:tabLst/>
-          <a:defRPr b="0" baseline="0" cap="none" i="0" spc="0" strike="noStrike" sz="1800" u="none" kumimoji="0" normalizeH="0">
+          <a:defRPr kumimoji="0" sz="1800" b="0" i="0" u="none" strike="noStrike" cap="none" spc="0" normalizeH="0" baseline="0">
             <a:ln>
               <a:noFill/>
             </a:ln>
@@ -4610,7 +4945,7 @@
           <a:buFontTx/>
           <a:buNone/>
           <a:tabLst/>
-          <a:defRPr b="0" baseline="0" cap="none" i="0" spc="0" strike="noStrike" sz="1800" u="none" kumimoji="0" normalizeH="0">
+          <a:defRPr kumimoji="0" sz="1800" b="0" i="0" u="none" strike="noStrike" cap="none" spc="0" normalizeH="0" baseline="0">
             <a:ln>
               <a:noFill/>
             </a:ln>
@@ -4636,7 +4971,7 @@
           <a:buFontTx/>
           <a:buNone/>
           <a:tabLst/>
-          <a:defRPr b="0" baseline="0" cap="none" i="0" spc="0" strike="noStrike" sz="1800" u="none" kumimoji="0" normalizeH="0">
+          <a:defRPr kumimoji="0" sz="1800" b="0" i="0" u="none" strike="noStrike" cap="none" spc="0" normalizeH="0" baseline="0">
             <a:ln>
               <a:noFill/>
             </a:ln>
@@ -4662,7 +4997,7 @@
           <a:buFontTx/>
           <a:buNone/>
           <a:tabLst/>
-          <a:defRPr b="0" baseline="0" cap="none" i="0" spc="0" strike="noStrike" sz="1800" u="none" kumimoji="0" normalizeH="0">
+          <a:defRPr kumimoji="0" sz="1800" b="0" i="0" u="none" strike="noStrike" cap="none" spc="0" normalizeH="0" baseline="0">
             <a:ln>
               <a:noFill/>
             </a:ln>
@@ -4688,7 +5023,7 @@
           <a:buFontTx/>
           <a:buNone/>
           <a:tabLst/>
-          <a:defRPr b="0" baseline="0" cap="none" i="0" spc="0" strike="noStrike" sz="1800" u="none" kumimoji="0" normalizeH="0">
+          <a:defRPr kumimoji="0" sz="1800" b="0" i="0" u="none" strike="noStrike" cap="none" spc="0" normalizeH="0" baseline="0">
             <a:ln>
               <a:noFill/>
             </a:ln>
@@ -4714,7 +5049,7 @@
           <a:buFontTx/>
           <a:buNone/>
           <a:tabLst/>
-          <a:defRPr b="0" baseline="0" cap="none" i="0" spc="0" strike="noStrike" sz="1800" u="none" kumimoji="0" normalizeH="0">
+          <a:defRPr kumimoji="0" sz="1800" b="0" i="0" u="none" strike="noStrike" cap="none" spc="0" normalizeH="0" baseline="0">
             <a:ln>
               <a:noFill/>
             </a:ln>
@@ -4740,7 +5075,7 @@
           <a:buFontTx/>
           <a:buNone/>
           <a:tabLst/>
-          <a:defRPr b="0" baseline="0" cap="none" i="0" spc="0" strike="noStrike" sz="1800" u="none" kumimoji="0" normalizeH="0">
+          <a:defRPr kumimoji="0" sz="1800" b="0" i="0" u="none" strike="noStrike" cap="none" spc="0" normalizeH="0" baseline="0">
             <a:ln>
               <a:noFill/>
             </a:ln>
@@ -4766,7 +5101,7 @@
           <a:buFontTx/>
           <a:buNone/>
           <a:tabLst/>
-          <a:defRPr b="0" baseline="0" cap="none" i="0" spc="0" strike="noStrike" sz="1800" u="none" kumimoji="0" normalizeH="0">
+          <a:defRPr kumimoji="0" sz="1800" b="0" i="0" u="none" strike="noStrike" cap="none" spc="0" normalizeH="0" baseline="0">
             <a:ln>
               <a:noFill/>
             </a:ln>
@@ -4792,7 +5127,7 @@
           <a:buFontTx/>
           <a:buNone/>
           <a:tabLst/>
-          <a:defRPr b="0" baseline="0" cap="none" i="0" spc="0" strike="noStrike" sz="1800" u="none" kumimoji="0" normalizeH="0">
+          <a:defRPr kumimoji="0" sz="1800" b="0" i="0" u="none" strike="noStrike" cap="none" spc="0" normalizeH="0" baseline="0">
             <a:ln>
               <a:noFill/>
             </a:ln>
@@ -4818,7 +5153,7 @@
           <a:buFontTx/>
           <a:buNone/>
           <a:tabLst/>
-          <a:defRPr b="0" baseline="0" cap="none" i="0" spc="0" strike="noStrike" sz="1800" u="none" kumimoji="0" normalizeH="0">
+          <a:defRPr kumimoji="0" sz="1800" b="0" i="0" u="none" strike="noStrike" cap="none" spc="0" normalizeH="0" baseline="0">
             <a:ln>
               <a:noFill/>
             </a:ln>
@@ -4831,9 +5166,15 @@
         </a:lvl9pPr>
       </a:lstStyle>
       <a:style>
-        <a:lnRef idx="0"/>
-        <a:fillRef idx="0"/>
-        <a:effectRef idx="0"/>
+        <a:lnRef idx="0">
+          <a:scrgbClr r="0" g="0" b="0"/>
+        </a:lnRef>
+        <a:fillRef idx="0">
+          <a:scrgbClr r="0" g="0" b="0"/>
+        </a:fillRef>
+        <a:effectRef idx="0">
+          <a:scrgbClr r="0" g="0" b="0"/>
+        </a:effectRef>
         <a:fontRef idx="none"/>
       </a:style>
     </a:lnDef>
@@ -4847,7 +5188,7 @@
         <a:effectLst/>
         <a:sp3d/>
       </a:spPr>
-      <a:bodyPr rot="0" spcFirstLastPara="1" vertOverflow="overflow" horzOverflow="overflow" vert="horz" wrap="square" lIns="45719" tIns="45719" rIns="45719" bIns="45719" numCol="1" spcCol="38100" rtlCol="0" anchor="t" upright="0">
+      <a:bodyPr rot="0" spcFirstLastPara="1" vertOverflow="overflow" horzOverflow="overflow" vert="horz" wrap="square" lIns="45719" tIns="45719" rIns="45719" bIns="45719" numCol="1" spcCol="38100" rtlCol="0" anchor="t">
         <a:spAutoFit/>
       </a:bodyPr>
       <a:lstStyle>
@@ -4866,7 +5207,7 @@
           <a:buFontTx/>
           <a:buNone/>
           <a:tabLst/>
-          <a:defRPr b="0" baseline="0" cap="none" i="0" spc="0" strike="noStrike" sz="1400" u="none" kumimoji="0" normalizeH="0">
+          <a:defRPr kumimoji="0" sz="1400" b="0" i="0" u="none" strike="noStrike" cap="none" spc="0" normalizeH="0" baseline="0">
             <a:ln>
               <a:noFill/>
             </a:ln>
@@ -4896,7 +5237,7 @@
           <a:buFontTx/>
           <a:buNone/>
           <a:tabLst/>
-          <a:defRPr b="0" baseline="0" cap="none" i="0" spc="0" strike="noStrike" sz="1800" u="none" kumimoji="0" normalizeH="0">
+          <a:defRPr kumimoji="0" sz="1800" b="0" i="0" u="none" strike="noStrike" cap="none" spc="0" normalizeH="0" baseline="0">
             <a:ln>
               <a:noFill/>
             </a:ln>
@@ -4922,7 +5263,7 @@
           <a:buFontTx/>
           <a:buNone/>
           <a:tabLst/>
-          <a:defRPr b="0" baseline="0" cap="none" i="0" spc="0" strike="noStrike" sz="1800" u="none" kumimoji="0" normalizeH="0">
+          <a:defRPr kumimoji="0" sz="1800" b="0" i="0" u="none" strike="noStrike" cap="none" spc="0" normalizeH="0" baseline="0">
             <a:ln>
               <a:noFill/>
             </a:ln>
@@ -4948,7 +5289,7 @@
           <a:buFontTx/>
           <a:buNone/>
           <a:tabLst/>
-          <a:defRPr b="0" baseline="0" cap="none" i="0" spc="0" strike="noStrike" sz="1800" u="none" kumimoji="0" normalizeH="0">
+          <a:defRPr kumimoji="0" sz="1800" b="0" i="0" u="none" strike="noStrike" cap="none" spc="0" normalizeH="0" baseline="0">
             <a:ln>
               <a:noFill/>
             </a:ln>
@@ -4974,7 +5315,7 @@
           <a:buFontTx/>
           <a:buNone/>
           <a:tabLst/>
-          <a:defRPr b="0" baseline="0" cap="none" i="0" spc="0" strike="noStrike" sz="1800" u="none" kumimoji="0" normalizeH="0">
+          <a:defRPr kumimoji="0" sz="1800" b="0" i="0" u="none" strike="noStrike" cap="none" spc="0" normalizeH="0" baseline="0">
             <a:ln>
               <a:noFill/>
             </a:ln>
@@ -5000,7 +5341,7 @@
           <a:buFontTx/>
           <a:buNone/>
           <a:tabLst/>
-          <a:defRPr b="0" baseline="0" cap="none" i="0" spc="0" strike="noStrike" sz="1800" u="none" kumimoji="0" normalizeH="0">
+          <a:defRPr kumimoji="0" sz="1800" b="0" i="0" u="none" strike="noStrike" cap="none" spc="0" normalizeH="0" baseline="0">
             <a:ln>
               <a:noFill/>
             </a:ln>
@@ -5026,7 +5367,7 @@
           <a:buFontTx/>
           <a:buNone/>
           <a:tabLst/>
-          <a:defRPr b="0" baseline="0" cap="none" i="0" spc="0" strike="noStrike" sz="1800" u="none" kumimoji="0" normalizeH="0">
+          <a:defRPr kumimoji="0" sz="1800" b="0" i="0" u="none" strike="noStrike" cap="none" spc="0" normalizeH="0" baseline="0">
             <a:ln>
               <a:noFill/>
             </a:ln>
@@ -5052,7 +5393,7 @@
           <a:buFontTx/>
           <a:buNone/>
           <a:tabLst/>
-          <a:defRPr b="0" baseline="0" cap="none" i="0" spc="0" strike="noStrike" sz="1800" u="none" kumimoji="0" normalizeH="0">
+          <a:defRPr kumimoji="0" sz="1800" b="0" i="0" u="none" strike="noStrike" cap="none" spc="0" normalizeH="0" baseline="0">
             <a:ln>
               <a:noFill/>
             </a:ln>
@@ -5078,7 +5419,7 @@
           <a:buFontTx/>
           <a:buNone/>
           <a:tabLst/>
-          <a:defRPr b="0" baseline="0" cap="none" i="0" spc="0" strike="noStrike" sz="1800" u="none" kumimoji="0" normalizeH="0">
+          <a:defRPr kumimoji="0" sz="1800" b="0" i="0" u="none" strike="noStrike" cap="none" spc="0" normalizeH="0" baseline="0">
             <a:ln>
               <a:noFill/>
             </a:ln>
@@ -5104,7 +5445,7 @@
           <a:buFontTx/>
           <a:buNone/>
           <a:tabLst/>
-          <a:defRPr b="0" baseline="0" cap="none" i="0" spc="0" strike="noStrike" sz="1800" u="none" kumimoji="0" normalizeH="0">
+          <a:defRPr kumimoji="0" sz="1800" b="0" i="0" u="none" strike="noStrike" cap="none" spc="0" normalizeH="0" baseline="0">
             <a:ln>
               <a:noFill/>
             </a:ln>
@@ -5117,18 +5458,25 @@
         </a:lvl9pPr>
       </a:lstStyle>
       <a:style>
-        <a:lnRef idx="0"/>
-        <a:fillRef idx="0"/>
-        <a:effectRef idx="0"/>
+        <a:lnRef idx="0">
+          <a:scrgbClr r="0" g="0" b="0"/>
+        </a:lnRef>
+        <a:fillRef idx="0">
+          <a:scrgbClr r="0" g="0" b="0"/>
+        </a:fillRef>
+        <a:effectRef idx="0">
+          <a:scrgbClr r="0" g="0" b="0"/>
+        </a:effectRef>
         <a:fontRef idx="none"/>
       </a:style>
     </a:txDef>
   </a:objectDefaults>
+  <a:extraClrSchemeLst/>
 </a:theme>
 </file>
 
 <file path=ppt/theme/theme2.xml><?xml version="1.0" encoding="utf-8"?>
-<a:theme xmlns:a="http://schemas.openxmlformats.org/drawingml/2006/main" xmlns:r="http://schemas.openxmlformats.org/officeDocument/2006/relationships" name="Office Theme">
+<a:theme xmlns:a="http://schemas.openxmlformats.org/drawingml/2006/main" name="Office Theme">
   <a:themeElements>
     <a:clrScheme name="Office Theme">
       <a:dk1>
@@ -5330,7 +5678,7 @@
         <a:effectLst/>
         <a:sp3d/>
       </a:spPr>
-      <a:bodyPr rot="0" spcFirstLastPara="1" vertOverflow="overflow" horzOverflow="overflow" vert="horz" wrap="square" lIns="45719" tIns="45719" rIns="45719" bIns="45719" numCol="1" spcCol="38100" rtlCol="0" anchor="ctr" upright="0">
+      <a:bodyPr rot="0" spcFirstLastPara="1" vertOverflow="overflow" horzOverflow="overflow" vert="horz" wrap="square" lIns="45719" tIns="45719" rIns="45719" bIns="45719" numCol="1" spcCol="38100" rtlCol="0" anchor="ctr">
         <a:spAutoFit/>
       </a:bodyPr>
       <a:lstStyle>
@@ -5349,7 +5697,7 @@
           <a:buFontTx/>
           <a:buNone/>
           <a:tabLst/>
-          <a:defRPr b="0" baseline="0" cap="none" i="0" spc="0" strike="noStrike" sz="1800" u="none" kumimoji="0" normalizeH="0">
+          <a:defRPr kumimoji="0" sz="1800" b="0" i="0" u="none" strike="noStrike" cap="none" spc="0" normalizeH="0" baseline="0">
             <a:ln>
               <a:noFill/>
             </a:ln>
@@ -5379,7 +5727,7 @@
           <a:buFontTx/>
           <a:buNone/>
           <a:tabLst/>
-          <a:defRPr b="0" baseline="0" cap="none" i="0" spc="0" strike="noStrike" sz="1800" u="none" kumimoji="0" normalizeH="0">
+          <a:defRPr kumimoji="0" sz="1800" b="0" i="0" u="none" strike="noStrike" cap="none" spc="0" normalizeH="0" baseline="0">
             <a:ln>
               <a:noFill/>
             </a:ln>
@@ -5405,7 +5753,7 @@
           <a:buFontTx/>
           <a:buNone/>
           <a:tabLst/>
-          <a:defRPr b="0" baseline="0" cap="none" i="0" spc="0" strike="noStrike" sz="1800" u="none" kumimoji="0" normalizeH="0">
+          <a:defRPr kumimoji="0" sz="1800" b="0" i="0" u="none" strike="noStrike" cap="none" spc="0" normalizeH="0" baseline="0">
             <a:ln>
               <a:noFill/>
             </a:ln>
@@ -5431,7 +5779,7 @@
           <a:buFontTx/>
           <a:buNone/>
           <a:tabLst/>
-          <a:defRPr b="0" baseline="0" cap="none" i="0" spc="0" strike="noStrike" sz="1800" u="none" kumimoji="0" normalizeH="0">
+          <a:defRPr kumimoji="0" sz="1800" b="0" i="0" u="none" strike="noStrike" cap="none" spc="0" normalizeH="0" baseline="0">
             <a:ln>
               <a:noFill/>
             </a:ln>
@@ -5457,7 +5805,7 @@
           <a:buFontTx/>
           <a:buNone/>
           <a:tabLst/>
-          <a:defRPr b="0" baseline="0" cap="none" i="0" spc="0" strike="noStrike" sz="1800" u="none" kumimoji="0" normalizeH="0">
+          <a:defRPr kumimoji="0" sz="1800" b="0" i="0" u="none" strike="noStrike" cap="none" spc="0" normalizeH="0" baseline="0">
             <a:ln>
               <a:noFill/>
             </a:ln>
@@ -5483,7 +5831,7 @@
           <a:buFontTx/>
           <a:buNone/>
           <a:tabLst/>
-          <a:defRPr b="0" baseline="0" cap="none" i="0" spc="0" strike="noStrike" sz="1800" u="none" kumimoji="0" normalizeH="0">
+          <a:defRPr kumimoji="0" sz="1800" b="0" i="0" u="none" strike="noStrike" cap="none" spc="0" normalizeH="0" baseline="0">
             <a:ln>
               <a:noFill/>
             </a:ln>
@@ -5509,7 +5857,7 @@
           <a:buFontTx/>
           <a:buNone/>
           <a:tabLst/>
-          <a:defRPr b="0" baseline="0" cap="none" i="0" spc="0" strike="noStrike" sz="1800" u="none" kumimoji="0" normalizeH="0">
+          <a:defRPr kumimoji="0" sz="1800" b="0" i="0" u="none" strike="noStrike" cap="none" spc="0" normalizeH="0" baseline="0">
             <a:ln>
               <a:noFill/>
             </a:ln>
@@ -5535,7 +5883,7 @@
           <a:buFontTx/>
           <a:buNone/>
           <a:tabLst/>
-          <a:defRPr b="0" baseline="0" cap="none" i="0" spc="0" strike="noStrike" sz="1800" u="none" kumimoji="0" normalizeH="0">
+          <a:defRPr kumimoji="0" sz="1800" b="0" i="0" u="none" strike="noStrike" cap="none" spc="0" normalizeH="0" baseline="0">
             <a:ln>
               <a:noFill/>
             </a:ln>
@@ -5561,7 +5909,7 @@
           <a:buFontTx/>
           <a:buNone/>
           <a:tabLst/>
-          <a:defRPr b="0" baseline="0" cap="none" i="0" spc="0" strike="noStrike" sz="1800" u="none" kumimoji="0" normalizeH="0">
+          <a:defRPr kumimoji="0" sz="1800" b="0" i="0" u="none" strike="noStrike" cap="none" spc="0" normalizeH="0" baseline="0">
             <a:ln>
               <a:noFill/>
             </a:ln>
@@ -5587,7 +5935,7 @@
           <a:buFontTx/>
           <a:buNone/>
           <a:tabLst/>
-          <a:defRPr b="0" baseline="0" cap="none" i="0" spc="0" strike="noStrike" sz="1800" u="none" kumimoji="0" normalizeH="0">
+          <a:defRPr kumimoji="0" sz="1800" b="0" i="0" u="none" strike="noStrike" cap="none" spc="0" normalizeH="0" baseline="0">
             <a:ln>
               <a:noFill/>
             </a:ln>
@@ -5600,9 +5948,15 @@
         </a:lvl9pPr>
       </a:lstStyle>
       <a:style>
-        <a:lnRef idx="0"/>
-        <a:fillRef idx="0"/>
-        <a:effectRef idx="0"/>
+        <a:lnRef idx="0">
+          <a:scrgbClr r="0" g="0" b="0"/>
+        </a:lnRef>
+        <a:fillRef idx="0">
+          <a:scrgbClr r="0" g="0" b="0"/>
+        </a:fillRef>
+        <a:effectRef idx="0">
+          <a:scrgbClr r="0" g="0" b="0"/>
+        </a:effectRef>
         <a:fontRef idx="none"/>
       </a:style>
     </a:spDef>
@@ -5619,7 +5973,7 @@
         <a:effectLst/>
         <a:sp3d/>
       </a:spPr>
-      <a:bodyPr rot="0" spcFirstLastPara="1" vertOverflow="overflow" horzOverflow="overflow" vert="horz" wrap="square" lIns="91439" tIns="45719" rIns="91439" bIns="45719" numCol="1" spcCol="38100" rtlCol="0" anchor="t" upright="0">
+      <a:bodyPr rot="0" spcFirstLastPara="1" vertOverflow="overflow" horzOverflow="overflow" vert="horz" wrap="square" lIns="91439" tIns="45719" rIns="91439" bIns="45719" numCol="1" spcCol="38100" rtlCol="0" anchor="t">
         <a:noAutofit/>
       </a:bodyPr>
       <a:lstStyle>
@@ -5638,7 +5992,7 @@
           <a:buFontTx/>
           <a:buNone/>
           <a:tabLst/>
-          <a:defRPr b="0" baseline="0" cap="none" i="0" spc="0" strike="noStrike" sz="1800" u="none" kumimoji="0" normalizeH="0">
+          <a:defRPr kumimoji="0" sz="1800" b="0" i="0" u="none" strike="noStrike" cap="none" spc="0" normalizeH="0" baseline="0">
             <a:ln>
               <a:noFill/>
             </a:ln>
@@ -5664,7 +6018,7 @@
           <a:buFontTx/>
           <a:buNone/>
           <a:tabLst/>
-          <a:defRPr b="0" baseline="0" cap="none" i="0" spc="0" strike="noStrike" sz="1800" u="none" kumimoji="0" normalizeH="0">
+          <a:defRPr kumimoji="0" sz="1800" b="0" i="0" u="none" strike="noStrike" cap="none" spc="0" normalizeH="0" baseline="0">
             <a:ln>
               <a:noFill/>
             </a:ln>
@@ -5690,7 +6044,7 @@
           <a:buFontTx/>
           <a:buNone/>
           <a:tabLst/>
-          <a:defRPr b="0" baseline="0" cap="none" i="0" spc="0" strike="noStrike" sz="1800" u="none" kumimoji="0" normalizeH="0">
+          <a:defRPr kumimoji="0" sz="1800" b="0" i="0" u="none" strike="noStrike" cap="none" spc="0" normalizeH="0" baseline="0">
             <a:ln>
               <a:noFill/>
             </a:ln>
@@ -5716,7 +6070,7 @@
           <a:buFontTx/>
           <a:buNone/>
           <a:tabLst/>
-          <a:defRPr b="0" baseline="0" cap="none" i="0" spc="0" strike="noStrike" sz="1800" u="none" kumimoji="0" normalizeH="0">
+          <a:defRPr kumimoji="0" sz="1800" b="0" i="0" u="none" strike="noStrike" cap="none" spc="0" normalizeH="0" baseline="0">
             <a:ln>
               <a:noFill/>
             </a:ln>
@@ -5742,7 +6096,7 @@
           <a:buFontTx/>
           <a:buNone/>
           <a:tabLst/>
-          <a:defRPr b="0" baseline="0" cap="none" i="0" spc="0" strike="noStrike" sz="1800" u="none" kumimoji="0" normalizeH="0">
+          <a:defRPr kumimoji="0" sz="1800" b="0" i="0" u="none" strike="noStrike" cap="none" spc="0" normalizeH="0" baseline="0">
             <a:ln>
               <a:noFill/>
             </a:ln>
@@ -5768,7 +6122,7 @@
           <a:buFontTx/>
           <a:buNone/>
           <a:tabLst/>
-          <a:defRPr b="0" baseline="0" cap="none" i="0" spc="0" strike="noStrike" sz="1800" u="none" kumimoji="0" normalizeH="0">
+          <a:defRPr kumimoji="0" sz="1800" b="0" i="0" u="none" strike="noStrike" cap="none" spc="0" normalizeH="0" baseline="0">
             <a:ln>
               <a:noFill/>
             </a:ln>
@@ -5794,7 +6148,7 @@
           <a:buFontTx/>
           <a:buNone/>
           <a:tabLst/>
-          <a:defRPr b="0" baseline="0" cap="none" i="0" spc="0" strike="noStrike" sz="1800" u="none" kumimoji="0" normalizeH="0">
+          <a:defRPr kumimoji="0" sz="1800" b="0" i="0" u="none" strike="noStrike" cap="none" spc="0" normalizeH="0" baseline="0">
             <a:ln>
               <a:noFill/>
             </a:ln>
@@ -5820,7 +6174,7 @@
           <a:buFontTx/>
           <a:buNone/>
           <a:tabLst/>
-          <a:defRPr b="0" baseline="0" cap="none" i="0" spc="0" strike="noStrike" sz="1800" u="none" kumimoji="0" normalizeH="0">
+          <a:defRPr kumimoji="0" sz="1800" b="0" i="0" u="none" strike="noStrike" cap="none" spc="0" normalizeH="0" baseline="0">
             <a:ln>
               <a:noFill/>
             </a:ln>
@@ -5846,7 +6200,7 @@
           <a:buFontTx/>
           <a:buNone/>
           <a:tabLst/>
-          <a:defRPr b="0" baseline="0" cap="none" i="0" spc="0" strike="noStrike" sz="1800" u="none" kumimoji="0" normalizeH="0">
+          <a:defRPr kumimoji="0" sz="1800" b="0" i="0" u="none" strike="noStrike" cap="none" spc="0" normalizeH="0" baseline="0">
             <a:ln>
               <a:noFill/>
             </a:ln>
@@ -5872,7 +6226,7 @@
           <a:buFontTx/>
           <a:buNone/>
           <a:tabLst/>
-          <a:defRPr b="0" baseline="0" cap="none" i="0" spc="0" strike="noStrike" sz="1800" u="none" kumimoji="0" normalizeH="0">
+          <a:defRPr kumimoji="0" sz="1800" b="0" i="0" u="none" strike="noStrike" cap="none" spc="0" normalizeH="0" baseline="0">
             <a:ln>
               <a:noFill/>
             </a:ln>
@@ -5885,9 +6239,15 @@
         </a:lvl9pPr>
       </a:lstStyle>
       <a:style>
-        <a:lnRef idx="0"/>
-        <a:fillRef idx="0"/>
-        <a:effectRef idx="0"/>
+        <a:lnRef idx="0">
+          <a:scrgbClr r="0" g="0" b="0"/>
+        </a:lnRef>
+        <a:fillRef idx="0">
+          <a:scrgbClr r="0" g="0" b="0"/>
+        </a:fillRef>
+        <a:effectRef idx="0">
+          <a:scrgbClr r="0" g="0" b="0"/>
+        </a:effectRef>
         <a:fontRef idx="none"/>
       </a:style>
     </a:lnDef>
@@ -5901,7 +6261,7 @@
         <a:effectLst/>
         <a:sp3d/>
       </a:spPr>
-      <a:bodyPr rot="0" spcFirstLastPara="1" vertOverflow="overflow" horzOverflow="overflow" vert="horz" wrap="square" lIns="45719" tIns="45719" rIns="45719" bIns="45719" numCol="1" spcCol="38100" rtlCol="0" anchor="t" upright="0">
+      <a:bodyPr rot="0" spcFirstLastPara="1" vertOverflow="overflow" horzOverflow="overflow" vert="horz" wrap="square" lIns="45719" tIns="45719" rIns="45719" bIns="45719" numCol="1" spcCol="38100" rtlCol="0" anchor="t">
         <a:spAutoFit/>
       </a:bodyPr>
       <a:lstStyle>
@@ -5920,7 +6280,7 @@
           <a:buFontTx/>
           <a:buNone/>
           <a:tabLst/>
-          <a:defRPr b="0" baseline="0" cap="none" i="0" spc="0" strike="noStrike" sz="1400" u="none" kumimoji="0" normalizeH="0">
+          <a:defRPr kumimoji="0" sz="1400" b="0" i="0" u="none" strike="noStrike" cap="none" spc="0" normalizeH="0" baseline="0">
             <a:ln>
               <a:noFill/>
             </a:ln>
@@ -5950,7 +6310,7 @@
           <a:buFontTx/>
           <a:buNone/>
           <a:tabLst/>
-          <a:defRPr b="0" baseline="0" cap="none" i="0" spc="0" strike="noStrike" sz="1800" u="none" kumimoji="0" normalizeH="0">
+          <a:defRPr kumimoji="0" sz="1800" b="0" i="0" u="none" strike="noStrike" cap="none" spc="0" normalizeH="0" baseline="0">
             <a:ln>
               <a:noFill/>
             </a:ln>
@@ -5976,7 +6336,7 @@
           <a:buFontTx/>
           <a:buNone/>
           <a:tabLst/>
-          <a:defRPr b="0" baseline="0" cap="none" i="0" spc="0" strike="noStrike" sz="1800" u="none" kumimoji="0" normalizeH="0">
+          <a:defRPr kumimoji="0" sz="1800" b="0" i="0" u="none" strike="noStrike" cap="none" spc="0" normalizeH="0" baseline="0">
             <a:ln>
               <a:noFill/>
             </a:ln>
@@ -6002,7 +6362,7 @@
           <a:buFontTx/>
           <a:buNone/>
           <a:tabLst/>
-          <a:defRPr b="0" baseline="0" cap="none" i="0" spc="0" strike="noStrike" sz="1800" u="none" kumimoji="0" normalizeH="0">
+          <a:defRPr kumimoji="0" sz="1800" b="0" i="0" u="none" strike="noStrike" cap="none" spc="0" normalizeH="0" baseline="0">
             <a:ln>
               <a:noFill/>
             </a:ln>
@@ -6028,7 +6388,7 @@
           <a:buFontTx/>
           <a:buNone/>
           <a:tabLst/>
-          <a:defRPr b="0" baseline="0" cap="none" i="0" spc="0" strike="noStrike" sz="1800" u="none" kumimoji="0" normalizeH="0">
+          <a:defRPr kumimoji="0" sz="1800" b="0" i="0" u="none" strike="noStrike" cap="none" spc="0" normalizeH="0" baseline="0">
             <a:ln>
               <a:noFill/>
             </a:ln>
@@ -6054,7 +6414,7 @@
           <a:buFontTx/>
           <a:buNone/>
           <a:tabLst/>
-          <a:defRPr b="0" baseline="0" cap="none" i="0" spc="0" strike="noStrike" sz="1800" u="none" kumimoji="0" normalizeH="0">
+          <a:defRPr kumimoji="0" sz="1800" b="0" i="0" u="none" strike="noStrike" cap="none" spc="0" normalizeH="0" baseline="0">
             <a:ln>
               <a:noFill/>
             </a:ln>
@@ -6080,7 +6440,7 @@
           <a:buFontTx/>
           <a:buNone/>
           <a:tabLst/>
-          <a:defRPr b="0" baseline="0" cap="none" i="0" spc="0" strike="noStrike" sz="1800" u="none" kumimoji="0" normalizeH="0">
+          <a:defRPr kumimoji="0" sz="1800" b="0" i="0" u="none" strike="noStrike" cap="none" spc="0" normalizeH="0" baseline="0">
             <a:ln>
               <a:noFill/>
             </a:ln>
@@ -6106,7 +6466,7 @@
           <a:buFontTx/>
           <a:buNone/>
           <a:tabLst/>
-          <a:defRPr b="0" baseline="0" cap="none" i="0" spc="0" strike="noStrike" sz="1800" u="none" kumimoji="0" normalizeH="0">
+          <a:defRPr kumimoji="0" sz="1800" b="0" i="0" u="none" strike="noStrike" cap="none" spc="0" normalizeH="0" baseline="0">
             <a:ln>
               <a:noFill/>
             </a:ln>
@@ -6132,7 +6492,7 @@
           <a:buFontTx/>
           <a:buNone/>
           <a:tabLst/>
-          <a:defRPr b="0" baseline="0" cap="none" i="0" spc="0" strike="noStrike" sz="1800" u="none" kumimoji="0" normalizeH="0">
+          <a:defRPr kumimoji="0" sz="1800" b="0" i="0" u="none" strike="noStrike" cap="none" spc="0" normalizeH="0" baseline="0">
             <a:ln>
               <a:noFill/>
             </a:ln>
@@ -6158,7 +6518,7 @@
           <a:buFontTx/>
           <a:buNone/>
           <a:tabLst/>
-          <a:defRPr b="0" baseline="0" cap="none" i="0" spc="0" strike="noStrike" sz="1800" u="none" kumimoji="0" normalizeH="0">
+          <a:defRPr kumimoji="0" sz="1800" b="0" i="0" u="none" strike="noStrike" cap="none" spc="0" normalizeH="0" baseline="0">
             <a:ln>
               <a:noFill/>
             </a:ln>
@@ -6171,12 +6531,19 @@
         </a:lvl9pPr>
       </a:lstStyle>
       <a:style>
-        <a:lnRef idx="0"/>
-        <a:fillRef idx="0"/>
-        <a:effectRef idx="0"/>
+        <a:lnRef idx="0">
+          <a:scrgbClr r="0" g="0" b="0"/>
+        </a:lnRef>
+        <a:fillRef idx="0">
+          <a:scrgbClr r="0" g="0" b="0"/>
+        </a:fillRef>
+        <a:effectRef idx="0">
+          <a:scrgbClr r="0" g="0" b="0"/>
+        </a:effectRef>
         <a:fontRef idx="none"/>
       </a:style>
     </a:txDef>
   </a:objectDefaults>
+  <a:extraClrSchemeLst/>
 </a:theme>
 </file>